--- a/Joins in MySQL.pptx
+++ b/Joins in MySQL.pptx
@@ -25,7 +25,8 @@
     <p:sldId id="277" r:id="rId19"/>
     <p:sldId id="278" r:id="rId20"/>
     <p:sldId id="276" r:id="rId21"/>
-    <p:sldId id="279" r:id="rId22"/>
+    <p:sldId id="280" r:id="rId22"/>
+    <p:sldId id="281" r:id="rId23"/>
   </p:sldIdLst>
   <p:sldSz cx="12192000" cy="6858000"/>
   <p:notesSz cx="6858000" cy="9144000"/>
@@ -281,7 +282,7 @@
           <a:p>
             <a:fld id="{880EB06D-0194-4595-96DF-78B68BD4E90B}" type="datetimeFigureOut">
               <a:rPr lang="en-IN" smtClean="0"/>
-              <a:t>27-07-2021</a:t>
+              <a:t>07-07-2024</a:t>
             </a:fld>
             <a:endParaRPr lang="en-IN"/>
           </a:p>
@@ -481,7 +482,7 @@
           <a:p>
             <a:fld id="{880EB06D-0194-4595-96DF-78B68BD4E90B}" type="datetimeFigureOut">
               <a:rPr lang="en-IN" smtClean="0"/>
-              <a:t>27-07-2021</a:t>
+              <a:t>07-07-2024</a:t>
             </a:fld>
             <a:endParaRPr lang="en-IN"/>
           </a:p>
@@ -691,7 +692,7 @@
           <a:p>
             <a:fld id="{880EB06D-0194-4595-96DF-78B68BD4E90B}" type="datetimeFigureOut">
               <a:rPr lang="en-IN" smtClean="0"/>
-              <a:t>27-07-2021</a:t>
+              <a:t>07-07-2024</a:t>
             </a:fld>
             <a:endParaRPr lang="en-IN"/>
           </a:p>
@@ -891,7 +892,7 @@
           <a:p>
             <a:fld id="{880EB06D-0194-4595-96DF-78B68BD4E90B}" type="datetimeFigureOut">
               <a:rPr lang="en-IN" smtClean="0"/>
-              <a:t>27-07-2021</a:t>
+              <a:t>07-07-2024</a:t>
             </a:fld>
             <a:endParaRPr lang="en-IN"/>
           </a:p>
@@ -1167,7 +1168,7 @@
           <a:p>
             <a:fld id="{880EB06D-0194-4595-96DF-78B68BD4E90B}" type="datetimeFigureOut">
               <a:rPr lang="en-IN" smtClean="0"/>
-              <a:t>27-07-2021</a:t>
+              <a:t>07-07-2024</a:t>
             </a:fld>
             <a:endParaRPr lang="en-IN"/>
           </a:p>
@@ -1435,7 +1436,7 @@
           <a:p>
             <a:fld id="{880EB06D-0194-4595-96DF-78B68BD4E90B}" type="datetimeFigureOut">
               <a:rPr lang="en-IN" smtClean="0"/>
-              <a:t>27-07-2021</a:t>
+              <a:t>07-07-2024</a:t>
             </a:fld>
             <a:endParaRPr lang="en-IN"/>
           </a:p>
@@ -1850,7 +1851,7 @@
           <a:p>
             <a:fld id="{880EB06D-0194-4595-96DF-78B68BD4E90B}" type="datetimeFigureOut">
               <a:rPr lang="en-IN" smtClean="0"/>
-              <a:t>27-07-2021</a:t>
+              <a:t>07-07-2024</a:t>
             </a:fld>
             <a:endParaRPr lang="en-IN"/>
           </a:p>
@@ -1992,7 +1993,7 @@
           <a:p>
             <a:fld id="{880EB06D-0194-4595-96DF-78B68BD4E90B}" type="datetimeFigureOut">
               <a:rPr lang="en-IN" smtClean="0"/>
-              <a:t>27-07-2021</a:t>
+              <a:t>07-07-2024</a:t>
             </a:fld>
             <a:endParaRPr lang="en-IN"/>
           </a:p>
@@ -2105,7 +2106,7 @@
           <a:p>
             <a:fld id="{880EB06D-0194-4595-96DF-78B68BD4E90B}" type="datetimeFigureOut">
               <a:rPr lang="en-IN" smtClean="0"/>
-              <a:t>27-07-2021</a:t>
+              <a:t>07-07-2024</a:t>
             </a:fld>
             <a:endParaRPr lang="en-IN"/>
           </a:p>
@@ -2418,7 +2419,7 @@
           <a:p>
             <a:fld id="{880EB06D-0194-4595-96DF-78B68BD4E90B}" type="datetimeFigureOut">
               <a:rPr lang="en-IN" smtClean="0"/>
-              <a:t>27-07-2021</a:t>
+              <a:t>07-07-2024</a:t>
             </a:fld>
             <a:endParaRPr lang="en-IN"/>
           </a:p>
@@ -2707,7 +2708,7 @@
           <a:p>
             <a:fld id="{880EB06D-0194-4595-96DF-78B68BD4E90B}" type="datetimeFigureOut">
               <a:rPr lang="en-IN" smtClean="0"/>
-              <a:t>27-07-2021</a:t>
+              <a:t>07-07-2024</a:t>
             </a:fld>
             <a:endParaRPr lang="en-IN"/>
           </a:p>
@@ -2950,7 +2951,7 @@
           <a:p>
             <a:fld id="{880EB06D-0194-4595-96DF-78B68BD4E90B}" type="datetimeFigureOut">
               <a:rPr lang="en-IN" smtClean="0"/>
-              <a:t>27-07-2021</a:t>
+              <a:t>07-07-2024</a:t>
             </a:fld>
             <a:endParaRPr lang="en-IN"/>
           </a:p>
@@ -5511,16 +5512,19 @@
         <p:spPr>
           <a:xfrm>
             <a:off x="838200" y="1547564"/>
-            <a:ext cx="10515600" cy="4486275"/>
+            <a:ext cx="11104418" cy="4486275"/>
           </a:xfrm>
         </p:spPr>
         <p:txBody>
           <a:bodyPr>
-            <a:normAutofit fontScale="92500"/>
+            <a:normAutofit/>
           </a:bodyPr>
           <a:lstStyle/>
           <a:p>
             <a:pPr marL="0" indent="0">
+              <a:lnSpc>
+                <a:spcPct val="100000"/>
+              </a:lnSpc>
               <a:buNone/>
             </a:pPr>
             <a:r>
@@ -5530,6 +5534,9 @@
           </a:p>
           <a:p>
             <a:pPr marL="0" indent="0">
+              <a:lnSpc>
+                <a:spcPct val="100000"/>
+              </a:lnSpc>
               <a:buNone/>
             </a:pPr>
             <a:r>
@@ -5543,6 +5550,9 @@
           </a:p>
           <a:p>
             <a:pPr marL="0" indent="0">
+              <a:lnSpc>
+                <a:spcPct val="100000"/>
+              </a:lnSpc>
               <a:buNone/>
             </a:pPr>
             <a:r>
@@ -5552,6 +5562,9 @@
           </a:p>
           <a:p>
             <a:pPr marL="0" indent="0">
+              <a:lnSpc>
+                <a:spcPct val="100000"/>
+              </a:lnSpc>
               <a:buNone/>
             </a:pPr>
             <a:r>
@@ -5561,6 +5574,9 @@
           </a:p>
           <a:p>
             <a:pPr marL="0" indent="0">
+              <a:lnSpc>
+                <a:spcPct val="100000"/>
+              </a:lnSpc>
               <a:buNone/>
             </a:pPr>
             <a:r>
@@ -5570,6 +5586,9 @@
           </a:p>
           <a:p>
             <a:pPr marL="0" indent="0">
+              <a:lnSpc>
+                <a:spcPct val="100000"/>
+              </a:lnSpc>
               <a:buNone/>
             </a:pPr>
             <a:r>
@@ -5587,6 +5606,9 @@
           </a:p>
           <a:p>
             <a:pPr marL="0" indent="0">
+              <a:lnSpc>
+                <a:spcPct val="100000"/>
+              </a:lnSpc>
               <a:buNone/>
             </a:pPr>
             <a:r>
@@ -5596,39 +5618,15 @@
           </a:p>
           <a:p>
             <a:pPr marL="0" indent="0">
+              <a:lnSpc>
+                <a:spcPct val="100000"/>
+              </a:lnSpc>
               <a:buNone/>
             </a:pPr>
             <a:r>
               <a:rPr lang="en-US" sz="2800" dirty="0"/>
-              <a:t> 5.EQUI AND Non-equijoins</a:t>
-            </a:r>
-          </a:p>
-          <a:p>
-            <a:pPr marL="0" indent="0">
-              <a:buNone/>
-            </a:pPr>
-            <a:r>
-              <a:rPr lang="en-US" sz="2800" dirty="0"/>
-              <a:t> 6.SELF JOIN</a:t>
-            </a:r>
-          </a:p>
-          <a:p>
-            <a:pPr marL="0" indent="0">
-              <a:buNone/>
-            </a:pPr>
-            <a:endParaRPr lang="en-US" sz="2800" dirty="0"/>
-          </a:p>
-          <a:p>
-            <a:pPr marL="0" indent="0">
-              <a:buNone/>
-            </a:pPr>
-            <a:endParaRPr lang="en-US" sz="2800" dirty="0"/>
-          </a:p>
-          <a:p>
-            <a:pPr marL="0" indent="0">
-              <a:buNone/>
-            </a:pPr>
-            <a:endParaRPr lang="en-US" sz="2800" dirty="0"/>
+              <a:t>5.SELF JOIN</a:t>
+            </a:r>
           </a:p>
         </p:txBody>
       </p:sp>
@@ -5871,7 +5869,7 @@
           <p:cNvPr id="2" name="Title 1">
             <a:extLst>
               <a:ext uri="{FF2B5EF4-FFF2-40B4-BE49-F238E27FC236}">
-                <a16:creationId xmlns:a16="http://schemas.microsoft.com/office/drawing/2014/main" id="{C2D64355-169A-428B-8CF5-71ECC5C98EF1}"/>
+                <a16:creationId xmlns:a16="http://schemas.microsoft.com/office/drawing/2014/main" id="{D2CFC973-D88E-E7E2-F7B4-22850152C536}"/>
               </a:ext>
             </a:extLst>
           </p:cNvPr>
@@ -5887,75 +5885,192 @@
           <a:bodyPr/>
           <a:lstStyle/>
           <a:p>
+            <a:r>
+              <a:rPr lang="en-US" dirty="0"/>
+              <a:t>Self Join</a:t>
+            </a:r>
             <a:endParaRPr lang="en-IN" dirty="0"/>
           </a:p>
         </p:txBody>
       </p:sp>
-      <p:sp>
-        <p:nvSpPr>
-          <p:cNvPr id="3" name="Content Placeholder 2">
-            <a:extLst>
-              <a:ext uri="{FF2B5EF4-FFF2-40B4-BE49-F238E27FC236}">
-                <a16:creationId xmlns:a16="http://schemas.microsoft.com/office/drawing/2014/main" id="{F596A1CC-F70A-4590-BE6C-E9DE91B40AC6}"/>
-              </a:ext>
-            </a:extLst>
-          </p:cNvPr>
-          <p:cNvSpPr>
-            <a:spLocks noGrp="1"/>
-          </p:cNvSpPr>
-          <p:nvPr>
-            <p:ph idx="1"/>
-          </p:nvPr>
-        </p:nvSpPr>
-        <p:spPr/>
-        <p:txBody>
-          <a:bodyPr/>
-          <a:lstStyle/>
-          <a:p>
-            <a:r>
-              <a:rPr lang="en-IN" dirty="0" err="1"/>
-              <a:t>Inner,left,right,cross</a:t>
-            </a:r>
-            <a:endParaRPr lang="en-IN" dirty="0"/>
-          </a:p>
-          <a:p>
-            <a:r>
-              <a:rPr lang="en-IN" dirty="0"/>
-              <a:t>Full outer (</a:t>
-            </a:r>
-            <a:r>
-              <a:rPr lang="en-IN" dirty="0" err="1"/>
-              <a:t>union,union</a:t>
-            </a:r>
-            <a:r>
-              <a:rPr lang="en-IN" dirty="0"/>
-              <a:t> all)</a:t>
-            </a:r>
-          </a:p>
-          <a:p>
-            <a:r>
-              <a:rPr lang="en-IN" dirty="0"/>
-              <a:t>Joining multiple tables </a:t>
-            </a:r>
-          </a:p>
-          <a:p>
-            <a:r>
-              <a:rPr lang="en-IN" dirty="0"/>
-              <a:t>Joining through using clause</a:t>
-            </a:r>
-          </a:p>
-          <a:p>
-            <a:r>
-              <a:rPr lang="en-IN" dirty="0"/>
-              <a:t>Self join (Done)</a:t>
-            </a:r>
-          </a:p>
-        </p:txBody>
-      </p:sp>
+      <p:pic>
+        <p:nvPicPr>
+          <p:cNvPr id="7" name="Picture 6">
+            <a:extLst>
+              <a:ext uri="{FF2B5EF4-FFF2-40B4-BE49-F238E27FC236}">
+                <a16:creationId xmlns:a16="http://schemas.microsoft.com/office/drawing/2014/main" id="{71F2FEA9-4E62-78E2-19DB-7545A6E7B056}"/>
+              </a:ext>
+            </a:extLst>
+          </p:cNvPr>
+          <p:cNvPicPr>
+            <a:picLocks noChangeAspect="1"/>
+          </p:cNvPicPr>
+          <p:nvPr/>
+        </p:nvPicPr>
+        <p:blipFill>
+          <a:blip r:embed="rId2">
+            <a:extLst>
+              <a:ext uri="{28A0092B-C50C-407E-A947-70E740481C1C}">
+                <a14:useLocalDpi xmlns:a14="http://schemas.microsoft.com/office/drawing/2010/main" val="0"/>
+              </a:ext>
+            </a:extLst>
+          </a:blip>
+          <a:stretch>
+            <a:fillRect/>
+          </a:stretch>
+        </p:blipFill>
+        <p:spPr>
+          <a:xfrm>
+            <a:off x="966607" y="1756438"/>
+            <a:ext cx="7506350" cy="1996613"/>
+          </a:xfrm>
+          <a:prstGeom prst="rect">
+            <a:avLst/>
+          </a:prstGeom>
+        </p:spPr>
+      </p:pic>
+      <p:pic>
+        <p:nvPicPr>
+          <p:cNvPr id="9" name="Picture 8">
+            <a:extLst>
+              <a:ext uri="{FF2B5EF4-FFF2-40B4-BE49-F238E27FC236}">
+                <a16:creationId xmlns:a16="http://schemas.microsoft.com/office/drawing/2014/main" id="{A30A3636-A165-1706-4A2E-2E2CDD2BB34B}"/>
+              </a:ext>
+            </a:extLst>
+          </p:cNvPr>
+          <p:cNvPicPr>
+            <a:picLocks noChangeAspect="1"/>
+          </p:cNvPicPr>
+          <p:nvPr/>
+        </p:nvPicPr>
+        <p:blipFill>
+          <a:blip r:embed="rId3">
+            <a:extLst>
+              <a:ext uri="{28A0092B-C50C-407E-A947-70E740481C1C}">
+                <a14:useLocalDpi xmlns:a14="http://schemas.microsoft.com/office/drawing/2010/main" val="0"/>
+              </a:ext>
+            </a:extLst>
+          </a:blip>
+          <a:stretch>
+            <a:fillRect/>
+          </a:stretch>
+        </p:blipFill>
+        <p:spPr>
+          <a:xfrm>
+            <a:off x="966607" y="4061884"/>
+            <a:ext cx="8337002" cy="2430991"/>
+          </a:xfrm>
+          <a:prstGeom prst="rect">
+            <a:avLst/>
+          </a:prstGeom>
+        </p:spPr>
+      </p:pic>
     </p:spTree>
     <p:extLst>
       <p:ext uri="{BB962C8B-B14F-4D97-AF65-F5344CB8AC3E}">
-        <p14:creationId xmlns:p14="http://schemas.microsoft.com/office/powerpoint/2010/main" val="520358820"/>
+        <p14:creationId xmlns:p14="http://schemas.microsoft.com/office/powerpoint/2010/main" val="1055845591"/>
+      </p:ext>
+    </p:extLst>
+  </p:cSld>
+  <p:clrMapOvr>
+    <a:masterClrMapping/>
+  </p:clrMapOvr>
+</p:sld>
+</file>
+
+<file path=ppt/slides/slide22.xml><?xml version="1.0" encoding="utf-8"?>
+<p:sld xmlns:a="http://schemas.openxmlformats.org/drawingml/2006/main" xmlns:r="http://schemas.openxmlformats.org/officeDocument/2006/relationships" xmlns:p="http://schemas.openxmlformats.org/presentationml/2006/main">
+  <p:cSld>
+    <p:spTree>
+      <p:nvGrpSpPr>
+        <p:cNvPr id="1" name=""/>
+        <p:cNvGrpSpPr/>
+        <p:nvPr/>
+      </p:nvGrpSpPr>
+      <p:grpSpPr>
+        <a:xfrm>
+          <a:off x="0" y="0"/>
+          <a:ext cx="0" cy="0"/>
+          <a:chOff x="0" y="0"/>
+          <a:chExt cx="0" cy="0"/>
+        </a:xfrm>
+      </p:grpSpPr>
+      <p:pic>
+        <p:nvPicPr>
+          <p:cNvPr id="5" name="Picture 4">
+            <a:extLst>
+              <a:ext uri="{FF2B5EF4-FFF2-40B4-BE49-F238E27FC236}">
+                <a16:creationId xmlns:a16="http://schemas.microsoft.com/office/drawing/2014/main" id="{9E71F124-2E78-CBC3-0B5F-C01557EB0CA4}"/>
+              </a:ext>
+            </a:extLst>
+          </p:cNvPr>
+          <p:cNvPicPr>
+            <a:picLocks noChangeAspect="1"/>
+          </p:cNvPicPr>
+          <p:nvPr/>
+        </p:nvPicPr>
+        <p:blipFill>
+          <a:blip r:embed="rId2">
+            <a:extLst>
+              <a:ext uri="{28A0092B-C50C-407E-A947-70E740481C1C}">
+                <a14:useLocalDpi xmlns:a14="http://schemas.microsoft.com/office/drawing/2010/main" val="0"/>
+              </a:ext>
+            </a:extLst>
+          </a:blip>
+          <a:stretch>
+            <a:fillRect/>
+          </a:stretch>
+        </p:blipFill>
+        <p:spPr>
+          <a:xfrm>
+            <a:off x="716793" y="540996"/>
+            <a:ext cx="6805250" cy="3208298"/>
+          </a:xfrm>
+          <a:prstGeom prst="rect">
+            <a:avLst/>
+          </a:prstGeom>
+        </p:spPr>
+      </p:pic>
+      <p:pic>
+        <p:nvPicPr>
+          <p:cNvPr id="7" name="Picture 6">
+            <a:extLst>
+              <a:ext uri="{FF2B5EF4-FFF2-40B4-BE49-F238E27FC236}">
+                <a16:creationId xmlns:a16="http://schemas.microsoft.com/office/drawing/2014/main" id="{B918833C-469E-8580-7987-C9149B8C5B44}"/>
+              </a:ext>
+            </a:extLst>
+          </p:cNvPr>
+          <p:cNvPicPr>
+            <a:picLocks noChangeAspect="1"/>
+          </p:cNvPicPr>
+          <p:nvPr/>
+        </p:nvPicPr>
+        <p:blipFill>
+          <a:blip r:embed="rId3">
+            <a:extLst>
+              <a:ext uri="{28A0092B-C50C-407E-A947-70E740481C1C}">
+                <a14:useLocalDpi xmlns:a14="http://schemas.microsoft.com/office/drawing/2010/main" val="0"/>
+              </a:ext>
+            </a:extLst>
+          </a:blip>
+          <a:stretch>
+            <a:fillRect/>
+          </a:stretch>
+        </p:blipFill>
+        <p:spPr>
+          <a:xfrm>
+            <a:off x="1158386" y="3918852"/>
+            <a:ext cx="6535504" cy="2398152"/>
+          </a:xfrm>
+          <a:prstGeom prst="rect">
+            <a:avLst/>
+          </a:prstGeom>
+        </p:spPr>
+      </p:pic>
+    </p:spTree>
+    <p:extLst>
+      <p:ext uri="{BB962C8B-B14F-4D97-AF65-F5344CB8AC3E}">
+        <p14:creationId xmlns:p14="http://schemas.microsoft.com/office/powerpoint/2010/main" val="1049633382"/>
       </p:ext>
     </p:extLst>
   </p:cSld>

--- a/Joins in MySQL.pptx
+++ b/Joins in MySQL.pptx
@@ -10,23 +10,24 @@
     <p:sldId id="263" r:id="rId4"/>
     <p:sldId id="258" r:id="rId5"/>
     <p:sldId id="259" r:id="rId6"/>
-    <p:sldId id="260" r:id="rId7"/>
-    <p:sldId id="269" r:id="rId8"/>
-    <p:sldId id="262" r:id="rId9"/>
-    <p:sldId id="261" r:id="rId10"/>
-    <p:sldId id="273" r:id="rId11"/>
-    <p:sldId id="264" r:id="rId12"/>
-    <p:sldId id="270" r:id="rId13"/>
-    <p:sldId id="265" r:id="rId14"/>
-    <p:sldId id="271" r:id="rId15"/>
-    <p:sldId id="272" r:id="rId16"/>
-    <p:sldId id="275" r:id="rId17"/>
-    <p:sldId id="274" r:id="rId18"/>
-    <p:sldId id="277" r:id="rId19"/>
-    <p:sldId id="278" r:id="rId20"/>
-    <p:sldId id="276" r:id="rId21"/>
-    <p:sldId id="280" r:id="rId22"/>
-    <p:sldId id="281" r:id="rId23"/>
+    <p:sldId id="282" r:id="rId7"/>
+    <p:sldId id="260" r:id="rId8"/>
+    <p:sldId id="269" r:id="rId9"/>
+    <p:sldId id="262" r:id="rId10"/>
+    <p:sldId id="261" r:id="rId11"/>
+    <p:sldId id="273" r:id="rId12"/>
+    <p:sldId id="264" r:id="rId13"/>
+    <p:sldId id="270" r:id="rId14"/>
+    <p:sldId id="265" r:id="rId15"/>
+    <p:sldId id="271" r:id="rId16"/>
+    <p:sldId id="272" r:id="rId17"/>
+    <p:sldId id="275" r:id="rId18"/>
+    <p:sldId id="274" r:id="rId19"/>
+    <p:sldId id="277" r:id="rId20"/>
+    <p:sldId id="278" r:id="rId21"/>
+    <p:sldId id="276" r:id="rId22"/>
+    <p:sldId id="280" r:id="rId23"/>
+    <p:sldId id="281" r:id="rId24"/>
   </p:sldIdLst>
   <p:sldSz cx="12192000" cy="6858000"/>
   <p:notesSz cx="6858000" cy="9144000"/>
@@ -282,7 +283,7 @@
           <a:p>
             <a:fld id="{880EB06D-0194-4595-96DF-78B68BD4E90B}" type="datetimeFigureOut">
               <a:rPr lang="en-IN" smtClean="0"/>
-              <a:t>07-07-2024</a:t>
+              <a:t>25-08-2024</a:t>
             </a:fld>
             <a:endParaRPr lang="en-IN"/>
           </a:p>
@@ -482,7 +483,7 @@
           <a:p>
             <a:fld id="{880EB06D-0194-4595-96DF-78B68BD4E90B}" type="datetimeFigureOut">
               <a:rPr lang="en-IN" smtClean="0"/>
-              <a:t>07-07-2024</a:t>
+              <a:t>25-08-2024</a:t>
             </a:fld>
             <a:endParaRPr lang="en-IN"/>
           </a:p>
@@ -692,7 +693,7 @@
           <a:p>
             <a:fld id="{880EB06D-0194-4595-96DF-78B68BD4E90B}" type="datetimeFigureOut">
               <a:rPr lang="en-IN" smtClean="0"/>
-              <a:t>07-07-2024</a:t>
+              <a:t>25-08-2024</a:t>
             </a:fld>
             <a:endParaRPr lang="en-IN"/>
           </a:p>
@@ -892,7 +893,7 @@
           <a:p>
             <a:fld id="{880EB06D-0194-4595-96DF-78B68BD4E90B}" type="datetimeFigureOut">
               <a:rPr lang="en-IN" smtClean="0"/>
-              <a:t>07-07-2024</a:t>
+              <a:t>25-08-2024</a:t>
             </a:fld>
             <a:endParaRPr lang="en-IN"/>
           </a:p>
@@ -1168,7 +1169,7 @@
           <a:p>
             <a:fld id="{880EB06D-0194-4595-96DF-78B68BD4E90B}" type="datetimeFigureOut">
               <a:rPr lang="en-IN" smtClean="0"/>
-              <a:t>07-07-2024</a:t>
+              <a:t>25-08-2024</a:t>
             </a:fld>
             <a:endParaRPr lang="en-IN"/>
           </a:p>
@@ -1436,7 +1437,7 @@
           <a:p>
             <a:fld id="{880EB06D-0194-4595-96DF-78B68BD4E90B}" type="datetimeFigureOut">
               <a:rPr lang="en-IN" smtClean="0"/>
-              <a:t>07-07-2024</a:t>
+              <a:t>25-08-2024</a:t>
             </a:fld>
             <a:endParaRPr lang="en-IN"/>
           </a:p>
@@ -1851,7 +1852,7 @@
           <a:p>
             <a:fld id="{880EB06D-0194-4595-96DF-78B68BD4E90B}" type="datetimeFigureOut">
               <a:rPr lang="en-IN" smtClean="0"/>
-              <a:t>07-07-2024</a:t>
+              <a:t>25-08-2024</a:t>
             </a:fld>
             <a:endParaRPr lang="en-IN"/>
           </a:p>
@@ -1993,7 +1994,7 @@
           <a:p>
             <a:fld id="{880EB06D-0194-4595-96DF-78B68BD4E90B}" type="datetimeFigureOut">
               <a:rPr lang="en-IN" smtClean="0"/>
-              <a:t>07-07-2024</a:t>
+              <a:t>25-08-2024</a:t>
             </a:fld>
             <a:endParaRPr lang="en-IN"/>
           </a:p>
@@ -2106,7 +2107,7 @@
           <a:p>
             <a:fld id="{880EB06D-0194-4595-96DF-78B68BD4E90B}" type="datetimeFigureOut">
               <a:rPr lang="en-IN" smtClean="0"/>
-              <a:t>07-07-2024</a:t>
+              <a:t>25-08-2024</a:t>
             </a:fld>
             <a:endParaRPr lang="en-IN"/>
           </a:p>
@@ -2419,7 +2420,7 @@
           <a:p>
             <a:fld id="{880EB06D-0194-4595-96DF-78B68BD4E90B}" type="datetimeFigureOut">
               <a:rPr lang="en-IN" smtClean="0"/>
-              <a:t>07-07-2024</a:t>
+              <a:t>25-08-2024</a:t>
             </a:fld>
             <a:endParaRPr lang="en-IN"/>
           </a:p>
@@ -2708,7 +2709,7 @@
           <a:p>
             <a:fld id="{880EB06D-0194-4595-96DF-78B68BD4E90B}" type="datetimeFigureOut">
               <a:rPr lang="en-IN" smtClean="0"/>
-              <a:t>07-07-2024</a:t>
+              <a:t>25-08-2024</a:t>
             </a:fld>
             <a:endParaRPr lang="en-IN"/>
           </a:p>
@@ -2951,7 +2952,7 @@
           <a:p>
             <a:fld id="{880EB06D-0194-4595-96DF-78B68BD4E90B}" type="datetimeFigureOut">
               <a:rPr lang="en-IN" smtClean="0"/>
-              <a:t>07-07-2024</a:t>
+              <a:t>25-08-2024</a:t>
             </a:fld>
             <a:endParaRPr lang="en-IN"/>
           </a:p>
@@ -3515,7 +3516,7 @@
           <p:cNvPr id="2" name="Title 1">
             <a:extLst>
               <a:ext uri="{FF2B5EF4-FFF2-40B4-BE49-F238E27FC236}">
-                <a16:creationId xmlns:a16="http://schemas.microsoft.com/office/drawing/2014/main" id="{67DC9FD1-5685-4CE9-A8A6-3AFC76F39D0A}"/>
+                <a16:creationId xmlns:a16="http://schemas.microsoft.com/office/drawing/2014/main" id="{74A20A36-8B8E-436A-A224-C6F25B1268D6}"/>
               </a:ext>
             </a:extLst>
           </p:cNvPr>
@@ -3528,39 +3529,30 @@
         </p:nvSpPr>
         <p:spPr/>
         <p:txBody>
-          <a:bodyPr>
-            <a:normAutofit fontScale="90000"/>
-          </a:bodyPr>
+          <a:bodyPr/>
           <a:lstStyle/>
           <a:p>
             <a:r>
               <a:rPr lang="en-IN" dirty="0"/>
-              <a:t>        Inner Join</a:t>
-            </a:r>
-            <a:br>
-              <a:rPr lang="en-IN" sz="3100" dirty="0"/>
-            </a:br>
-            <a:r>
-              <a:rPr lang="en-IN" sz="3100" dirty="0"/>
-              <a:t>   (gives matching data</a:t>
-            </a:r>
-            <a:br>
-              <a:rPr lang="en-IN" sz="3100" dirty="0"/>
-            </a:br>
-            <a:r>
-              <a:rPr lang="en-IN" sz="3100" dirty="0"/>
-              <a:t>     from 2 or more tables)</a:t>
-            </a:r>
-            <a:endParaRPr lang="en-IN" dirty="0"/>
+              <a:t>Cross join , Cartesian </a:t>
+            </a:r>
+            <a:r>
+              <a:rPr lang="en-IN" dirty="0" err="1"/>
+              <a:t>Product,Comma</a:t>
+            </a:r>
+            <a:r>
+              <a:rPr lang="en-IN" dirty="0"/>
+              <a:t> join</a:t>
+            </a:r>
           </a:p>
         </p:txBody>
       </p:sp>
       <p:pic>
         <p:nvPicPr>
-          <p:cNvPr id="6" name="Content Placeholder 5">
-            <a:extLst>
-              <a:ext uri="{FF2B5EF4-FFF2-40B4-BE49-F238E27FC236}">
-                <a16:creationId xmlns:a16="http://schemas.microsoft.com/office/drawing/2014/main" id="{8975C338-7B55-4D5F-9CBE-46B99FF4C9AE}"/>
+          <p:cNvPr id="9" name="Content Placeholder 8">
+            <a:extLst>
+              <a:ext uri="{FF2B5EF4-FFF2-40B4-BE49-F238E27FC236}">
+                <a16:creationId xmlns:a16="http://schemas.microsoft.com/office/drawing/2014/main" id="{C080E69E-49B8-4062-B7EE-3C8FE45BF329}"/>
               </a:ext>
             </a:extLst>
           </p:cNvPr>
@@ -3585,8 +3577,8 @@
         </p:blipFill>
         <p:spPr>
           <a:xfrm>
-            <a:off x="859856" y="3595554"/>
-            <a:ext cx="10493944" cy="2324501"/>
+            <a:off x="1248355" y="3357093"/>
+            <a:ext cx="9247367" cy="3313706"/>
           </a:xfrm>
         </p:spPr>
       </p:pic>
@@ -3595,7 +3587,7 @@
           <p:cNvPr id="4" name="TextBox 3">
             <a:extLst>
               <a:ext uri="{FF2B5EF4-FFF2-40B4-BE49-F238E27FC236}">
-                <a16:creationId xmlns:a16="http://schemas.microsoft.com/office/drawing/2014/main" id="{838274E8-A173-4E43-865D-017A1B6D4639}"/>
+                <a16:creationId xmlns:a16="http://schemas.microsoft.com/office/drawing/2014/main" id="{A4DD47BD-66D1-40F0-B7D4-4698B8045719}"/>
               </a:ext>
             </a:extLst>
           </p:cNvPr>
@@ -3604,8 +3596,8 @@
         </p:nvSpPr>
         <p:spPr>
           <a:xfrm>
-            <a:off x="6424654" y="767358"/>
-            <a:ext cx="4858247" cy="1384995"/>
+            <a:off x="755375" y="1690688"/>
+            <a:ext cx="10917140" cy="369332"/>
           </a:xfrm>
           <a:prstGeom prst="rect">
             <a:avLst/>
@@ -3619,45 +3611,138 @@
           <a:lstStyle/>
           <a:p>
             <a:r>
-              <a:rPr lang="en-US" sz="2800" dirty="0"/>
-              <a:t>select * from products p</a:t>
-            </a:r>
-          </a:p>
-          <a:p>
-            <a:r>
-              <a:rPr lang="en-US" sz="2800" dirty="0"/>
-              <a:t>inner join categories c </a:t>
-            </a:r>
-          </a:p>
-          <a:p>
-            <a:r>
-              <a:rPr lang="en-US" sz="2800" dirty="0"/>
-              <a:t> on </a:t>
-            </a:r>
-            <a:r>
-              <a:rPr lang="en-US" sz="2800" dirty="0" err="1"/>
-              <a:t>p.catid</a:t>
-            </a:r>
-            <a:r>
-              <a:rPr lang="en-US" sz="2800" dirty="0"/>
-              <a:t>=</a:t>
-            </a:r>
-            <a:r>
-              <a:rPr lang="en-US" sz="2800" dirty="0" err="1"/>
-              <a:t>c.categoryid</a:t>
-            </a:r>
-            <a:r>
-              <a:rPr lang="en-US" sz="2800" dirty="0"/>
+              <a:rPr lang="en-US" b="0" i="0" dirty="0">
+                <a:solidFill>
+                  <a:srgbClr val="555555"/>
+                </a:solidFill>
+                <a:effectLst/>
+                <a:latin typeface="Open Sans" panose="020B0606030504020204" pitchFamily="34" charset="0"/>
+              </a:rPr>
+              <a:t>This means , each and every row in the first table is joined to each and every row in the second table.</a:t>
+            </a:r>
+            <a:endParaRPr lang="en-IN" dirty="0"/>
+          </a:p>
+        </p:txBody>
+      </p:sp>
+      <p:sp>
+        <p:nvSpPr>
+          <p:cNvPr id="5" name="TextBox 4">
+            <a:extLst>
+              <a:ext uri="{FF2B5EF4-FFF2-40B4-BE49-F238E27FC236}">
+                <a16:creationId xmlns:a16="http://schemas.microsoft.com/office/drawing/2014/main" id="{03A97007-39C1-4AC0-A1D2-13CD4AAC1A7A}"/>
+              </a:ext>
+            </a:extLst>
+          </p:cNvPr>
+          <p:cNvSpPr txBox="1"/>
+          <p:nvPr/>
+        </p:nvSpPr>
+        <p:spPr>
+          <a:xfrm>
+            <a:off x="1248355" y="2258170"/>
+            <a:ext cx="2059388" cy="923330"/>
+          </a:xfrm>
+          <a:prstGeom prst="rect">
+            <a:avLst/>
+          </a:prstGeom>
+          <a:noFill/>
+        </p:spPr>
+        <p:txBody>
+          <a:bodyPr wrap="square" rtlCol="0">
+            <a:spAutoFit/>
+          </a:bodyPr>
+          <a:lstStyle/>
+          <a:p>
+            <a:r>
+              <a:rPr lang="en-US" dirty="0"/>
+              <a:t>select * from products cross join categories;</a:t>
+            </a:r>
+            <a:endParaRPr lang="en-IN" dirty="0"/>
+          </a:p>
+        </p:txBody>
+      </p:sp>
+      <p:sp>
+        <p:nvSpPr>
+          <p:cNvPr id="6" name="TextBox 5">
+            <a:extLst>
+              <a:ext uri="{FF2B5EF4-FFF2-40B4-BE49-F238E27FC236}">
+                <a16:creationId xmlns:a16="http://schemas.microsoft.com/office/drawing/2014/main" id="{0803319C-3E35-446E-B8DC-BB1C3AAE608B}"/>
+              </a:ext>
+            </a:extLst>
+          </p:cNvPr>
+          <p:cNvSpPr txBox="1"/>
+          <p:nvPr/>
+        </p:nvSpPr>
+        <p:spPr>
+          <a:xfrm>
+            <a:off x="3808675" y="2385391"/>
+            <a:ext cx="2798859" cy="646331"/>
+          </a:xfrm>
+          <a:prstGeom prst="rect">
+            <a:avLst/>
+          </a:prstGeom>
+          <a:noFill/>
+        </p:spPr>
+        <p:txBody>
+          <a:bodyPr wrap="square" rtlCol="0">
+            <a:spAutoFit/>
+          </a:bodyPr>
+          <a:lstStyle/>
+          <a:p>
+            <a:r>
+              <a:rPr lang="en-US" dirty="0"/>
+              <a:t>select * from products join categories;</a:t>
+            </a:r>
+            <a:endParaRPr lang="en-IN" dirty="0"/>
+          </a:p>
+        </p:txBody>
+      </p:sp>
+      <p:sp>
+        <p:nvSpPr>
+          <p:cNvPr id="7" name="TextBox 6">
+            <a:extLst>
+              <a:ext uri="{FF2B5EF4-FFF2-40B4-BE49-F238E27FC236}">
+                <a16:creationId xmlns:a16="http://schemas.microsoft.com/office/drawing/2014/main" id="{D0677D19-DA17-4FE5-8E75-6B6904B9F527}"/>
+              </a:ext>
+            </a:extLst>
+          </p:cNvPr>
+          <p:cNvSpPr txBox="1"/>
+          <p:nvPr/>
+        </p:nvSpPr>
+        <p:spPr>
+          <a:xfrm>
+            <a:off x="6909682" y="2329732"/>
+            <a:ext cx="2735249" cy="646331"/>
+          </a:xfrm>
+          <a:prstGeom prst="rect">
+            <a:avLst/>
+          </a:prstGeom>
+          <a:noFill/>
+        </p:spPr>
+        <p:txBody>
+          <a:bodyPr wrap="square" rtlCol="0">
+            <a:spAutoFit/>
+          </a:bodyPr>
+          <a:lstStyle/>
+          <a:p>
+            <a:r>
+              <a:rPr lang="en-IN" dirty="0"/>
+              <a:t>select * from </a:t>
+            </a:r>
+            <a:r>
+              <a:rPr lang="en-IN" dirty="0" err="1"/>
+              <a:t>products,categories</a:t>
+            </a:r>
+            <a:r>
+              <a:rPr lang="en-IN" dirty="0"/>
               <a:t>;</a:t>
             </a:r>
-            <a:endParaRPr lang="en-IN" sz="2800" dirty="0"/>
           </a:p>
         </p:txBody>
       </p:sp>
     </p:spTree>
     <p:extLst>
       <p:ext uri="{BB962C8B-B14F-4D97-AF65-F5344CB8AC3E}">
-        <p14:creationId xmlns:p14="http://schemas.microsoft.com/office/powerpoint/2010/main" val="2627354408"/>
+        <p14:creationId xmlns:p14="http://schemas.microsoft.com/office/powerpoint/2010/main" val="1812626112"/>
       </p:ext>
     </p:extLst>
   </p:cSld>
@@ -3689,7 +3774,7 @@
           <p:cNvPr id="2" name="Title 1">
             <a:extLst>
               <a:ext uri="{FF2B5EF4-FFF2-40B4-BE49-F238E27FC236}">
-                <a16:creationId xmlns:a16="http://schemas.microsoft.com/office/drawing/2014/main" id="{74A20A36-8B8E-436A-A224-C6F25B1268D6}"/>
+                <a16:creationId xmlns:a16="http://schemas.microsoft.com/office/drawing/2014/main" id="{67DC9FD1-5685-4CE9-A8A6-3AFC76F39D0A}"/>
               </a:ext>
             </a:extLst>
           </p:cNvPr>
@@ -3702,22 +3787,39 @@
         </p:nvSpPr>
         <p:spPr/>
         <p:txBody>
-          <a:bodyPr/>
+          <a:bodyPr>
+            <a:normAutofit fontScale="90000"/>
+          </a:bodyPr>
           <a:lstStyle/>
           <a:p>
             <a:r>
               <a:rPr lang="en-IN" dirty="0"/>
-              <a:t>Left join	</a:t>
-            </a:r>
+              <a:t>        Inner Join</a:t>
+            </a:r>
+            <a:br>
+              <a:rPr lang="en-IN" sz="3100" dirty="0"/>
+            </a:br>
+            <a:r>
+              <a:rPr lang="en-IN" sz="3100" dirty="0"/>
+              <a:t>   (gives matching data</a:t>
+            </a:r>
+            <a:br>
+              <a:rPr lang="en-IN" sz="3100" dirty="0"/>
+            </a:br>
+            <a:r>
+              <a:rPr lang="en-IN" sz="3100" dirty="0"/>
+              <a:t>     from 2 or more tables)</a:t>
+            </a:r>
+            <a:endParaRPr lang="en-IN" dirty="0"/>
           </a:p>
         </p:txBody>
       </p:sp>
       <p:pic>
         <p:nvPicPr>
-          <p:cNvPr id="5" name="Content Placeholder 4">
-            <a:extLst>
-              <a:ext uri="{FF2B5EF4-FFF2-40B4-BE49-F238E27FC236}">
-                <a16:creationId xmlns:a16="http://schemas.microsoft.com/office/drawing/2014/main" id="{905C8848-06C8-41C3-B3C5-8245B085FDFD}"/>
+          <p:cNvPr id="6" name="Content Placeholder 5">
+            <a:extLst>
+              <a:ext uri="{FF2B5EF4-FFF2-40B4-BE49-F238E27FC236}">
+                <a16:creationId xmlns:a16="http://schemas.microsoft.com/office/drawing/2014/main" id="{8975C338-7B55-4D5F-9CBE-46B99FF4C9AE}"/>
               </a:ext>
             </a:extLst>
           </p:cNvPr>
@@ -3742,17 +3844,17 @@
         </p:blipFill>
         <p:spPr>
           <a:xfrm>
-            <a:off x="1098374" y="3296162"/>
-            <a:ext cx="9152413" cy="2682472"/>
+            <a:off x="859856" y="3595554"/>
+            <a:ext cx="10493944" cy="2324501"/>
           </a:xfrm>
         </p:spPr>
       </p:pic>
       <p:sp>
         <p:nvSpPr>
-          <p:cNvPr id="6" name="TextBox 5">
-            <a:extLst>
-              <a:ext uri="{FF2B5EF4-FFF2-40B4-BE49-F238E27FC236}">
-                <a16:creationId xmlns:a16="http://schemas.microsoft.com/office/drawing/2014/main" id="{0A87DF8F-06BC-4418-A504-AF99275C5896}"/>
+          <p:cNvPr id="4" name="TextBox 3">
+            <a:extLst>
+              <a:ext uri="{FF2B5EF4-FFF2-40B4-BE49-F238E27FC236}">
+                <a16:creationId xmlns:a16="http://schemas.microsoft.com/office/drawing/2014/main" id="{838274E8-A173-4E43-865D-017A1B6D4639}"/>
               </a:ext>
             </a:extLst>
           </p:cNvPr>
@@ -3761,8 +3863,8 @@
         </p:nvSpPr>
         <p:spPr>
           <a:xfrm>
-            <a:off x="4587903" y="417701"/>
-            <a:ext cx="7871792" cy="923330"/>
+            <a:off x="6424654" y="767358"/>
+            <a:ext cx="4858247" cy="1384995"/>
           </a:xfrm>
           <a:prstGeom prst="rect">
             <a:avLst/>
@@ -3776,94 +3878,45 @@
           <a:lstStyle/>
           <a:p>
             <a:r>
-              <a:rPr lang="en-US" dirty="0"/>
-              <a:t>select * from products p </a:t>
-            </a:r>
-          </a:p>
-          <a:p>
-            <a:r>
-              <a:rPr lang="en-US" dirty="0"/>
-              <a:t>left join categories c </a:t>
-            </a:r>
-          </a:p>
-          <a:p>
-            <a:r>
-              <a:rPr lang="en-US" dirty="0"/>
-              <a:t>on </a:t>
-            </a:r>
-            <a:r>
-              <a:rPr lang="en-US" dirty="0" err="1"/>
+              <a:rPr lang="en-US" sz="2800" dirty="0"/>
+              <a:t>select * from products p</a:t>
+            </a:r>
+          </a:p>
+          <a:p>
+            <a:r>
+              <a:rPr lang="en-US" sz="2800" dirty="0"/>
+              <a:t>inner join categories c </a:t>
+            </a:r>
+          </a:p>
+          <a:p>
+            <a:r>
+              <a:rPr lang="en-US" sz="2800" dirty="0"/>
+              <a:t> on </a:t>
+            </a:r>
+            <a:r>
+              <a:rPr lang="en-US" sz="2800" dirty="0" err="1"/>
               <a:t>p.catid</a:t>
             </a:r>
             <a:r>
-              <a:rPr lang="en-US" dirty="0"/>
+              <a:rPr lang="en-US" sz="2800" dirty="0"/>
               <a:t>=</a:t>
             </a:r>
             <a:r>
-              <a:rPr lang="en-US" dirty="0" err="1"/>
+              <a:rPr lang="en-US" sz="2800" dirty="0" err="1"/>
               <a:t>c.categoryid</a:t>
             </a:r>
             <a:r>
-              <a:rPr lang="en-US" dirty="0"/>
+              <a:rPr lang="en-US" sz="2800" dirty="0"/>
               <a:t>;</a:t>
             </a:r>
-            <a:endParaRPr lang="en-IN" dirty="0"/>
-          </a:p>
-        </p:txBody>
-      </p:sp>
-      <p:sp>
-        <p:nvSpPr>
-          <p:cNvPr id="7" name="TextBox 6">
-            <a:extLst>
-              <a:ext uri="{FF2B5EF4-FFF2-40B4-BE49-F238E27FC236}">
-                <a16:creationId xmlns:a16="http://schemas.microsoft.com/office/drawing/2014/main" id="{A6E1298B-40D6-4588-B5A1-DA26C0B9D93A}"/>
-              </a:ext>
-            </a:extLst>
-          </p:cNvPr>
-          <p:cNvSpPr txBox="1"/>
-          <p:nvPr/>
-        </p:nvSpPr>
-        <p:spPr>
-          <a:xfrm>
-            <a:off x="1240403" y="1749287"/>
-            <a:ext cx="8945218" cy="923330"/>
-          </a:xfrm>
-          <a:prstGeom prst="rect">
-            <a:avLst/>
-          </a:prstGeom>
-          <a:noFill/>
-        </p:spPr>
-        <p:txBody>
-          <a:bodyPr wrap="square" rtlCol="0">
-            <a:spAutoFit/>
-          </a:bodyPr>
-          <a:lstStyle/>
-          <a:p>
-            <a:r>
-              <a:rPr lang="en-IN" dirty="0"/>
-              <a:t>This selected all the data from Left table including  null value in </a:t>
-            </a:r>
-            <a:r>
-              <a:rPr lang="en-IN" dirty="0" err="1"/>
-              <a:t>catid</a:t>
-            </a:r>
-            <a:r>
-              <a:rPr lang="en-IN" dirty="0"/>
-              <a:t>(products table)</a:t>
-            </a:r>
-          </a:p>
-          <a:p>
-            <a:r>
-              <a:rPr lang="en-IN" dirty="0"/>
-              <a:t>And all the unmatched data from right table became null while the data for unmatched column is present in our database. </a:t>
-            </a:r>
+            <a:endParaRPr lang="en-IN" sz="2800" dirty="0"/>
           </a:p>
         </p:txBody>
       </p:sp>
     </p:spTree>
     <p:extLst>
       <p:ext uri="{BB962C8B-B14F-4D97-AF65-F5344CB8AC3E}">
-        <p14:creationId xmlns:p14="http://schemas.microsoft.com/office/powerpoint/2010/main" val="3099789179"/>
+        <p14:creationId xmlns:p14="http://schemas.microsoft.com/office/powerpoint/2010/main" val="2627354408"/>
       </p:ext>
     </p:extLst>
   </p:cSld>
@@ -3913,7 +3966,7 @@
           <a:p>
             <a:r>
               <a:rPr lang="en-IN" dirty="0"/>
-              <a:t>Right join	</a:t>
+              <a:t>Left join	</a:t>
             </a:r>
           </a:p>
         </p:txBody>
@@ -3942,13 +3995,14 @@
               </a:ext>
             </a:extLst>
           </a:blip>
-          <a:srcRect/>
-          <a:stretch/>
+          <a:stretch>
+            <a:fillRect/>
+          </a:stretch>
         </p:blipFill>
         <p:spPr>
           <a:xfrm>
-            <a:off x="1118274" y="3199506"/>
-            <a:ext cx="9955451" cy="3041028"/>
+            <a:off x="1098374" y="3296162"/>
+            <a:ext cx="9152413" cy="2682472"/>
           </a:xfrm>
         </p:spPr>
       </p:pic>
@@ -3966,8 +4020,8 @@
         </p:nvSpPr>
         <p:spPr>
           <a:xfrm>
-            <a:off x="4913905" y="617466"/>
-            <a:ext cx="2926081" cy="923330"/>
+            <a:off x="4587903" y="417701"/>
+            <a:ext cx="7871792" cy="923330"/>
           </a:xfrm>
           <a:prstGeom prst="rect">
             <a:avLst/>
@@ -3982,13 +4036,13 @@
           <a:p>
             <a:r>
               <a:rPr lang="en-US" dirty="0"/>
-              <a:t>select * from products p</a:t>
+              <a:t>select * from products p </a:t>
             </a:r>
           </a:p>
           <a:p>
             <a:r>
               <a:rPr lang="en-US" dirty="0"/>
-              <a:t>right join categories c  </a:t>
+              <a:t>left join categories c </a:t>
             </a:r>
           </a:p>
           <a:p>
@@ -4031,7 +4085,7 @@
         <p:spPr>
           <a:xfrm>
             <a:off x="1240403" y="1749287"/>
-            <a:ext cx="8945218" cy="646331"/>
+            <a:ext cx="8945218" cy="923330"/>
           </a:xfrm>
           <a:prstGeom prst="rect">
             <a:avLst/>
@@ -4046,7 +4100,21 @@
           <a:p>
             <a:r>
               <a:rPr lang="en-IN" dirty="0"/>
-              <a:t>This selected all the data from Right table And all the unmatched data from left table became null while the data for unmatched column is present in our database. </a:t>
+              <a:t>This selected all the data from Left table including  null value in </a:t>
+            </a:r>
+            <a:r>
+              <a:rPr lang="en-IN" dirty="0" err="1"/>
+              <a:t>catid</a:t>
+            </a:r>
+            <a:r>
+              <a:rPr lang="en-IN" dirty="0"/>
+              <a:t>(products table)</a:t>
+            </a:r>
+          </a:p>
+          <a:p>
+            <a:r>
+              <a:rPr lang="en-IN" dirty="0"/>
+              <a:t>And all the unmatched data from right table became null while the data for unmatched column is present in our database. </a:t>
             </a:r>
           </a:p>
         </p:txBody>
@@ -4054,7 +4122,7 @@
     </p:spTree>
     <p:extLst>
       <p:ext uri="{BB962C8B-B14F-4D97-AF65-F5344CB8AC3E}">
-        <p14:creationId xmlns:p14="http://schemas.microsoft.com/office/powerpoint/2010/main" val="212971590"/>
+        <p14:creationId xmlns:p14="http://schemas.microsoft.com/office/powerpoint/2010/main" val="3099789179"/>
       </p:ext>
     </p:extLst>
   </p:cSld>
@@ -4099,14 +4167,12 @@
         </p:nvSpPr>
         <p:spPr/>
         <p:txBody>
-          <a:bodyPr>
-            <a:normAutofit/>
-          </a:bodyPr>
-          <a:lstStyle/>
-          <a:p>
-            <a:r>
-              <a:rPr lang="en-IN" sz="4000" dirty="0"/>
-              <a:t>Only Left (excluding common data from left table)</a:t>
+          <a:bodyPr/>
+          <a:lstStyle/>
+          <a:p>
+            <a:r>
+              <a:rPr lang="en-IN" dirty="0"/>
+              <a:t>Right join	</a:t>
             </a:r>
           </a:p>
         </p:txBody>
@@ -4116,7 +4182,7 @@
           <p:cNvPr id="5" name="Content Placeholder 4">
             <a:extLst>
               <a:ext uri="{FF2B5EF4-FFF2-40B4-BE49-F238E27FC236}">
-                <a16:creationId xmlns:a16="http://schemas.microsoft.com/office/drawing/2014/main" id="{C5D320F9-C1BC-4D93-9F44-354EF668F268}"/>
+                <a16:creationId xmlns:a16="http://schemas.microsoft.com/office/drawing/2014/main" id="{905C8848-06C8-41C3-B3C5-8245B085FDFD}"/>
               </a:ext>
             </a:extLst>
           </p:cNvPr>
@@ -4135,14 +4201,13 @@
               </a:ext>
             </a:extLst>
           </a:blip>
-          <a:stretch>
-            <a:fillRect/>
-          </a:stretch>
+          <a:srcRect/>
+          <a:stretch/>
         </p:blipFill>
         <p:spPr>
           <a:xfrm>
-            <a:off x="931271" y="4414413"/>
-            <a:ext cx="10521951" cy="1549065"/>
+            <a:off x="1118274" y="3199506"/>
+            <a:ext cx="9955451" cy="3041028"/>
           </a:xfrm>
         </p:spPr>
       </p:pic>
@@ -4151,7 +4216,7 @@
           <p:cNvPr id="6" name="TextBox 5">
             <a:extLst>
               <a:ext uri="{FF2B5EF4-FFF2-40B4-BE49-F238E27FC236}">
-                <a16:creationId xmlns:a16="http://schemas.microsoft.com/office/drawing/2014/main" id="{F3C44822-287A-4251-B78D-78294B75774C}"/>
+                <a16:creationId xmlns:a16="http://schemas.microsoft.com/office/drawing/2014/main" id="{0A87DF8F-06BC-4418-A504-AF99275C5896}"/>
               </a:ext>
             </a:extLst>
           </p:cNvPr>
@@ -4160,8 +4225,8 @@
         </p:nvSpPr>
         <p:spPr>
           <a:xfrm>
-            <a:off x="1009816" y="1510748"/>
-            <a:ext cx="3156667" cy="1200329"/>
+            <a:off x="4913905" y="617466"/>
+            <a:ext cx="2926081" cy="923330"/>
           </a:xfrm>
           <a:prstGeom prst="rect">
             <a:avLst/>
@@ -4182,7 +4247,7 @@
           <a:p>
             <a:r>
               <a:rPr lang="en-US" dirty="0"/>
-              <a:t>left join categories c </a:t>
+              <a:t>right join categories c  </a:t>
             </a:r>
           </a:p>
           <a:p>
@@ -4202,20 +4267,9 @@
               <a:rPr lang="en-US" dirty="0" err="1"/>
               <a:t>c.categoryid</a:t>
             </a:r>
-            <a:endParaRPr lang="en-US" dirty="0"/>
-          </a:p>
-          <a:p>
             <a:r>
               <a:rPr lang="en-US" dirty="0"/>
-              <a:t>where </a:t>
-            </a:r>
-            <a:r>
-              <a:rPr lang="en-US" dirty="0" err="1"/>
-              <a:t>c.categoryid</a:t>
-            </a:r>
-            <a:r>
-              <a:rPr lang="en-US" dirty="0"/>
-              <a:t> is null; </a:t>
+              <a:t>;</a:t>
             </a:r>
             <a:endParaRPr lang="en-IN" dirty="0"/>
           </a:p>
@@ -4226,7 +4280,7 @@
           <p:cNvPr id="7" name="TextBox 6">
             <a:extLst>
               <a:ext uri="{FF2B5EF4-FFF2-40B4-BE49-F238E27FC236}">
-                <a16:creationId xmlns:a16="http://schemas.microsoft.com/office/drawing/2014/main" id="{3CEF1BCC-D398-44CD-9099-A35668FB2B20}"/>
+                <a16:creationId xmlns:a16="http://schemas.microsoft.com/office/drawing/2014/main" id="{A6E1298B-40D6-4588-B5A1-DA26C0B9D93A}"/>
               </a:ext>
             </a:extLst>
           </p:cNvPr>
@@ -4235,8 +4289,8 @@
         </p:nvSpPr>
         <p:spPr>
           <a:xfrm>
-            <a:off x="4357315" y="1690688"/>
-            <a:ext cx="5947575" cy="646331"/>
+            <a:off x="1240403" y="1749287"/>
+            <a:ext cx="8945218" cy="646331"/>
           </a:xfrm>
           <a:prstGeom prst="rect">
             <a:avLst/>
@@ -4251,7 +4305,7 @@
           <a:p>
             <a:r>
               <a:rPr lang="en-IN" dirty="0"/>
-              <a:t>This query gives all the data of that products which doesn’t belongs to any category  in categories table</a:t>
+              <a:t>This selected all the data from Right table And all the unmatched data from left table became null while the data for unmatched column is present in our database. </a:t>
             </a:r>
           </a:p>
         </p:txBody>
@@ -4259,7 +4313,7 @@
     </p:spTree>
     <p:extLst>
       <p:ext uri="{BB962C8B-B14F-4D97-AF65-F5344CB8AC3E}">
-        <p14:creationId xmlns:p14="http://schemas.microsoft.com/office/powerpoint/2010/main" val="3683918519"/>
+        <p14:creationId xmlns:p14="http://schemas.microsoft.com/office/powerpoint/2010/main" val="212971590"/>
       </p:ext>
     </p:extLst>
   </p:cSld>
@@ -4310,8 +4364,8 @@
           <a:lstStyle/>
           <a:p>
             <a:r>
-              <a:rPr lang="en-IN" sz="3600" dirty="0"/>
-              <a:t>Only Right (excluding common data from right table)</a:t>
+              <a:rPr lang="en-IN" sz="4000" dirty="0"/>
+              <a:t>Only Left (excluding common data from left table)</a:t>
             </a:r>
           </a:p>
         </p:txBody>
@@ -4340,13 +4394,14 @@
               </a:ext>
             </a:extLst>
           </a:blip>
-          <a:srcRect/>
-          <a:stretch/>
+          <a:stretch>
+            <a:fillRect/>
+          </a:stretch>
         </p:blipFill>
         <p:spPr>
           <a:xfrm>
-            <a:off x="931271" y="4554612"/>
-            <a:ext cx="10521951" cy="1268666"/>
+            <a:off x="931271" y="4414413"/>
+            <a:ext cx="10521951" cy="1549065"/>
           </a:xfrm>
         </p:spPr>
       </p:pic>
@@ -4386,7 +4441,7 @@
           <a:p>
             <a:r>
               <a:rPr lang="en-US" dirty="0"/>
-              <a:t>right join categories c </a:t>
+              <a:t>left join categories c </a:t>
             </a:r>
           </a:p>
           <a:p>
@@ -4415,7 +4470,7 @@
             </a:r>
             <a:r>
               <a:rPr lang="en-US" dirty="0" err="1"/>
-              <a:t>p.catid</a:t>
+              <a:t>c.categoryid</a:t>
             </a:r>
             <a:r>
               <a:rPr lang="en-US" dirty="0"/>
@@ -4455,7 +4510,7 @@
           <a:p>
             <a:r>
               <a:rPr lang="en-IN" dirty="0"/>
-              <a:t>This query gives all the data of that category which doesn’t belongs to any product  in products table</a:t>
+              <a:t>This query gives all the data of that products which doesn’t belongs to any category  in categories table</a:t>
             </a:r>
           </a:p>
         </p:txBody>
@@ -4463,7 +4518,7 @@
     </p:spTree>
     <p:extLst>
       <p:ext uri="{BB962C8B-B14F-4D97-AF65-F5344CB8AC3E}">
-        <p14:creationId xmlns:p14="http://schemas.microsoft.com/office/powerpoint/2010/main" val="1269286053"/>
+        <p14:creationId xmlns:p14="http://schemas.microsoft.com/office/powerpoint/2010/main" val="3683918519"/>
       </p:ext>
     </p:extLst>
   </p:cSld>
@@ -4515,17 +4570,51 @@
           <a:p>
             <a:r>
               <a:rPr lang="en-IN" sz="3600" dirty="0"/>
-              <a:t>Full Outer </a:t>
-            </a:r>
-          </a:p>
-        </p:txBody>
-      </p:sp>
-      <p:sp>
-        <p:nvSpPr>
-          <p:cNvPr id="7" name="TextBox 6">
-            <a:extLst>
-              <a:ext uri="{FF2B5EF4-FFF2-40B4-BE49-F238E27FC236}">
-                <a16:creationId xmlns:a16="http://schemas.microsoft.com/office/drawing/2014/main" id="{3CEF1BCC-D398-44CD-9099-A35668FB2B20}"/>
+              <a:t>Only Right (excluding common data from right table)</a:t>
+            </a:r>
+          </a:p>
+        </p:txBody>
+      </p:sp>
+      <p:pic>
+        <p:nvPicPr>
+          <p:cNvPr id="5" name="Content Placeholder 4">
+            <a:extLst>
+              <a:ext uri="{FF2B5EF4-FFF2-40B4-BE49-F238E27FC236}">
+                <a16:creationId xmlns:a16="http://schemas.microsoft.com/office/drawing/2014/main" id="{C5D320F9-C1BC-4D93-9F44-354EF668F268}"/>
+              </a:ext>
+            </a:extLst>
+          </p:cNvPr>
+          <p:cNvPicPr>
+            <a:picLocks noGrp="1" noChangeAspect="1"/>
+          </p:cNvPicPr>
+          <p:nvPr>
+            <p:ph idx="1"/>
+          </p:nvPr>
+        </p:nvPicPr>
+        <p:blipFill>
+          <a:blip r:embed="rId2">
+            <a:extLst>
+              <a:ext uri="{28A0092B-C50C-407E-A947-70E740481C1C}">
+                <a14:useLocalDpi xmlns:a14="http://schemas.microsoft.com/office/drawing/2010/main" val="0"/>
+              </a:ext>
+            </a:extLst>
+          </a:blip>
+          <a:srcRect/>
+          <a:stretch/>
+        </p:blipFill>
+        <p:spPr>
+          <a:xfrm>
+            <a:off x="931271" y="4554612"/>
+            <a:ext cx="10521951" cy="1268666"/>
+          </a:xfrm>
+        </p:spPr>
+      </p:pic>
+      <p:sp>
+        <p:nvSpPr>
+          <p:cNvPr id="6" name="TextBox 5">
+            <a:extLst>
+              <a:ext uri="{FF2B5EF4-FFF2-40B4-BE49-F238E27FC236}">
+                <a16:creationId xmlns:a16="http://schemas.microsoft.com/office/drawing/2014/main" id="{F3C44822-287A-4251-B78D-78294B75774C}"/>
               </a:ext>
             </a:extLst>
           </p:cNvPr>
@@ -4534,8 +4623,8 @@
         </p:nvSpPr>
         <p:spPr>
           <a:xfrm>
-            <a:off x="236462" y="1220986"/>
-            <a:ext cx="3373430" cy="646331"/>
+            <a:off x="1009816" y="1510748"/>
+            <a:ext cx="3156667" cy="1200329"/>
           </a:xfrm>
           <a:prstGeom prst="rect">
             <a:avLst/>
@@ -4549,93 +4638,91 @@
           <a:lstStyle/>
           <a:p>
             <a:r>
-              <a:rPr lang="en-IN" dirty="0"/>
-              <a:t>( it gives all the data </a:t>
-            </a:r>
-          </a:p>
-          <a:p>
-            <a:r>
-              <a:rPr lang="en-IN" dirty="0"/>
-              <a:t>    from 2 or more tables )</a:t>
-            </a:r>
-          </a:p>
-        </p:txBody>
-      </p:sp>
-      <p:pic>
-        <p:nvPicPr>
-          <p:cNvPr id="4" name="Picture 3">
-            <a:extLst>
-              <a:ext uri="{FF2B5EF4-FFF2-40B4-BE49-F238E27FC236}">
-                <a16:creationId xmlns:a16="http://schemas.microsoft.com/office/drawing/2014/main" id="{DF642D8E-75FB-4AF5-8EDE-87904470353D}"/>
-              </a:ext>
-            </a:extLst>
-          </p:cNvPr>
-          <p:cNvPicPr>
-            <a:picLocks noChangeAspect="1"/>
-          </p:cNvPicPr>
+              <a:rPr lang="en-US" dirty="0"/>
+              <a:t>select * from products p</a:t>
+            </a:r>
+          </a:p>
+          <a:p>
+            <a:r>
+              <a:rPr lang="en-US" dirty="0"/>
+              <a:t>right join categories c </a:t>
+            </a:r>
+          </a:p>
+          <a:p>
+            <a:r>
+              <a:rPr lang="en-US" dirty="0"/>
+              <a:t>on </a:t>
+            </a:r>
+            <a:r>
+              <a:rPr lang="en-US" dirty="0" err="1"/>
+              <a:t>p.catid</a:t>
+            </a:r>
+            <a:r>
+              <a:rPr lang="en-US" dirty="0"/>
+              <a:t>=</a:t>
+            </a:r>
+            <a:r>
+              <a:rPr lang="en-US" dirty="0" err="1"/>
+              <a:t>c.categoryid</a:t>
+            </a:r>
+            <a:endParaRPr lang="en-US" dirty="0"/>
+          </a:p>
+          <a:p>
+            <a:r>
+              <a:rPr lang="en-US" dirty="0"/>
+              <a:t>where </a:t>
+            </a:r>
+            <a:r>
+              <a:rPr lang="en-US" dirty="0" err="1"/>
+              <a:t>p.catid</a:t>
+            </a:r>
+            <a:r>
+              <a:rPr lang="en-US" dirty="0"/>
+              <a:t> is null; </a:t>
+            </a:r>
+            <a:endParaRPr lang="en-IN" dirty="0"/>
+          </a:p>
+        </p:txBody>
+      </p:sp>
+      <p:sp>
+        <p:nvSpPr>
+          <p:cNvPr id="7" name="TextBox 6">
+            <a:extLst>
+              <a:ext uri="{FF2B5EF4-FFF2-40B4-BE49-F238E27FC236}">
+                <a16:creationId xmlns:a16="http://schemas.microsoft.com/office/drawing/2014/main" id="{3CEF1BCC-D398-44CD-9099-A35668FB2B20}"/>
+              </a:ext>
+            </a:extLst>
+          </p:cNvPr>
+          <p:cNvSpPr txBox="1"/>
           <p:nvPr/>
-        </p:nvPicPr>
-        <p:blipFill>
-          <a:blip r:embed="rId2">
-            <a:extLst>
-              <a:ext uri="{28A0092B-C50C-407E-A947-70E740481C1C}">
-                <a14:useLocalDpi xmlns:a14="http://schemas.microsoft.com/office/drawing/2010/main" val="0"/>
-              </a:ext>
-            </a:extLst>
-          </a:blip>
-          <a:stretch>
-            <a:fillRect/>
-          </a:stretch>
-        </p:blipFill>
+        </p:nvSpPr>
         <p:spPr>
           <a:xfrm>
-            <a:off x="3511846" y="510839"/>
-            <a:ext cx="8443692" cy="1356478"/>
+            <a:off x="4357315" y="1690688"/>
+            <a:ext cx="5947575" cy="646331"/>
           </a:xfrm>
           <a:prstGeom prst="rect">
             <a:avLst/>
           </a:prstGeom>
+          <a:noFill/>
         </p:spPr>
-      </p:pic>
-      <p:pic>
-        <p:nvPicPr>
-          <p:cNvPr id="11" name="Content Placeholder 10">
-            <a:extLst>
-              <a:ext uri="{FF2B5EF4-FFF2-40B4-BE49-F238E27FC236}">
-                <a16:creationId xmlns:a16="http://schemas.microsoft.com/office/drawing/2014/main" id="{AEC6C175-AAD5-4872-8C48-D63CB3A5EF0B}"/>
-              </a:ext>
-            </a:extLst>
-          </p:cNvPr>
-          <p:cNvPicPr>
-            <a:picLocks noGrp="1" noChangeAspect="1"/>
-          </p:cNvPicPr>
-          <p:nvPr>
-            <p:ph idx="1"/>
-          </p:nvPr>
-        </p:nvPicPr>
-        <p:blipFill>
-          <a:blip r:embed="rId3">
-            <a:extLst>
-              <a:ext uri="{28A0092B-C50C-407E-A947-70E740481C1C}">
-                <a14:useLocalDpi xmlns:a14="http://schemas.microsoft.com/office/drawing/2010/main" val="0"/>
-              </a:ext>
-            </a:extLst>
-          </a:blip>
-          <a:stretch>
-            <a:fillRect/>
-          </a:stretch>
-        </p:blipFill>
-        <p:spPr>
-          <a:xfrm>
-            <a:off x="1330707" y="2257249"/>
-            <a:ext cx="8885867" cy="4351338"/>
-          </a:xfrm>
-        </p:spPr>
-      </p:pic>
+        <p:txBody>
+          <a:bodyPr wrap="square" rtlCol="0">
+            <a:spAutoFit/>
+          </a:bodyPr>
+          <a:lstStyle/>
+          <a:p>
+            <a:r>
+              <a:rPr lang="en-IN" dirty="0"/>
+              <a:t>This query gives all the data of that category which doesn’t belongs to any product  in products table</a:t>
+            </a:r>
+          </a:p>
+        </p:txBody>
+      </p:sp>
     </p:spTree>
     <p:extLst>
       <p:ext uri="{BB962C8B-B14F-4D97-AF65-F5344CB8AC3E}">
-        <p14:creationId xmlns:p14="http://schemas.microsoft.com/office/powerpoint/2010/main" val="3685989525"/>
+        <p14:creationId xmlns:p14="http://schemas.microsoft.com/office/powerpoint/2010/main" val="1269286053"/>
       </p:ext>
     </p:extLst>
   </p:cSld>
@@ -4667,7 +4754,7 @@
           <p:cNvPr id="2" name="Title 1">
             <a:extLst>
               <a:ext uri="{FF2B5EF4-FFF2-40B4-BE49-F238E27FC236}">
-                <a16:creationId xmlns:a16="http://schemas.microsoft.com/office/drawing/2014/main" id="{66BCBC34-7DBD-4746-9AAA-F37C9AEBFCF1}"/>
+                <a16:creationId xmlns:a16="http://schemas.microsoft.com/office/drawing/2014/main" id="{74A20A36-8B8E-436A-A224-C6F25B1268D6}"/>
               </a:ext>
             </a:extLst>
           </p:cNvPr>
@@ -4680,141 +4767,134 @@
         </p:nvSpPr>
         <p:spPr/>
         <p:txBody>
-          <a:bodyPr/>
+          <a:bodyPr>
+            <a:normAutofit/>
+          </a:bodyPr>
+          <a:lstStyle/>
+          <a:p>
+            <a:r>
+              <a:rPr lang="en-IN" sz="3600" dirty="0"/>
+              <a:t>Full Outer </a:t>
+            </a:r>
+          </a:p>
+        </p:txBody>
+      </p:sp>
+      <p:sp>
+        <p:nvSpPr>
+          <p:cNvPr id="7" name="TextBox 6">
+            <a:extLst>
+              <a:ext uri="{FF2B5EF4-FFF2-40B4-BE49-F238E27FC236}">
+                <a16:creationId xmlns:a16="http://schemas.microsoft.com/office/drawing/2014/main" id="{3CEF1BCC-D398-44CD-9099-A35668FB2B20}"/>
+              </a:ext>
+            </a:extLst>
+          </p:cNvPr>
+          <p:cNvSpPr txBox="1"/>
+          <p:nvPr/>
+        </p:nvSpPr>
+        <p:spPr>
+          <a:xfrm>
+            <a:off x="236462" y="1220986"/>
+            <a:ext cx="3373430" cy="646331"/>
+          </a:xfrm>
+          <a:prstGeom prst="rect">
+            <a:avLst/>
+          </a:prstGeom>
+          <a:noFill/>
+        </p:spPr>
+        <p:txBody>
+          <a:bodyPr wrap="square" rtlCol="0">
+            <a:spAutoFit/>
+          </a:bodyPr>
           <a:lstStyle/>
           <a:p>
             <a:r>
               <a:rPr lang="en-IN" dirty="0"/>
-              <a:t>Union</a:t>
-            </a:r>
-          </a:p>
-        </p:txBody>
-      </p:sp>
-      <p:sp>
-        <p:nvSpPr>
-          <p:cNvPr id="3" name="Content Placeholder 2">
-            <a:extLst>
-              <a:ext uri="{FF2B5EF4-FFF2-40B4-BE49-F238E27FC236}">
-                <a16:creationId xmlns:a16="http://schemas.microsoft.com/office/drawing/2014/main" id="{9E9B1440-BF5A-49A1-B71B-4013A1BB1C43}"/>
-              </a:ext>
-            </a:extLst>
-          </p:cNvPr>
-          <p:cNvSpPr>
-            <a:spLocks noGrp="1"/>
-          </p:cNvSpPr>
+              <a:t>( it gives all the data </a:t>
+            </a:r>
+          </a:p>
+          <a:p>
+            <a:r>
+              <a:rPr lang="en-IN" dirty="0"/>
+              <a:t>    from 2 or more tables )</a:t>
+            </a:r>
+          </a:p>
+        </p:txBody>
+      </p:sp>
+      <p:pic>
+        <p:nvPicPr>
+          <p:cNvPr id="4" name="Picture 3">
+            <a:extLst>
+              <a:ext uri="{FF2B5EF4-FFF2-40B4-BE49-F238E27FC236}">
+                <a16:creationId xmlns:a16="http://schemas.microsoft.com/office/drawing/2014/main" id="{DF642D8E-75FB-4AF5-8EDE-87904470353D}"/>
+              </a:ext>
+            </a:extLst>
+          </p:cNvPr>
+          <p:cNvPicPr>
+            <a:picLocks noChangeAspect="1"/>
+          </p:cNvPicPr>
+          <p:nvPr/>
+        </p:nvPicPr>
+        <p:blipFill>
+          <a:blip r:embed="rId2">
+            <a:extLst>
+              <a:ext uri="{28A0092B-C50C-407E-A947-70E740481C1C}">
+                <a14:useLocalDpi xmlns:a14="http://schemas.microsoft.com/office/drawing/2010/main" val="0"/>
+              </a:ext>
+            </a:extLst>
+          </a:blip>
+          <a:stretch>
+            <a:fillRect/>
+          </a:stretch>
+        </p:blipFill>
+        <p:spPr>
+          <a:xfrm>
+            <a:off x="3511846" y="510839"/>
+            <a:ext cx="8443692" cy="1356478"/>
+          </a:xfrm>
+          <a:prstGeom prst="rect">
+            <a:avLst/>
+          </a:prstGeom>
+        </p:spPr>
+      </p:pic>
+      <p:pic>
+        <p:nvPicPr>
+          <p:cNvPr id="11" name="Content Placeholder 10">
+            <a:extLst>
+              <a:ext uri="{FF2B5EF4-FFF2-40B4-BE49-F238E27FC236}">
+                <a16:creationId xmlns:a16="http://schemas.microsoft.com/office/drawing/2014/main" id="{AEC6C175-AAD5-4872-8C48-D63CB3A5EF0B}"/>
+              </a:ext>
+            </a:extLst>
+          </p:cNvPr>
+          <p:cNvPicPr>
+            <a:picLocks noGrp="1" noChangeAspect="1"/>
+          </p:cNvPicPr>
           <p:nvPr>
             <p:ph idx="1"/>
           </p:nvPr>
-        </p:nvSpPr>
-        <p:spPr/>
-        <p:txBody>
-          <a:bodyPr/>
-          <a:lstStyle/>
-          <a:p>
-            <a:pPr marL="0" indent="0">
-              <a:buNone/>
-            </a:pPr>
-            <a:r>
-              <a:rPr lang="en-US" dirty="0"/>
-              <a:t>select *from products p</a:t>
-            </a:r>
-          </a:p>
-          <a:p>
-            <a:pPr marL="0" indent="0">
-              <a:buNone/>
-            </a:pPr>
-            <a:r>
-              <a:rPr lang="en-US" dirty="0"/>
-              <a:t>left join categories c </a:t>
-            </a:r>
-          </a:p>
-          <a:p>
-            <a:pPr marL="0" indent="0">
-              <a:buNone/>
-            </a:pPr>
-            <a:r>
-              <a:rPr lang="en-US" dirty="0"/>
-              <a:t>on </a:t>
-            </a:r>
-            <a:r>
-              <a:rPr lang="en-US" dirty="0" err="1"/>
-              <a:t>p.catid</a:t>
-            </a:r>
-            <a:r>
-              <a:rPr lang="en-US" dirty="0"/>
-              <a:t>=</a:t>
-            </a:r>
-            <a:r>
-              <a:rPr lang="en-US" dirty="0" err="1"/>
-              <a:t>c.categoryid</a:t>
-            </a:r>
-            <a:endParaRPr lang="en-US" dirty="0"/>
-          </a:p>
-          <a:p>
-            <a:pPr marL="0" indent="0">
-              <a:buNone/>
-            </a:pPr>
-            <a:r>
-              <a:rPr lang="en-US" dirty="0"/>
-              <a:t>union</a:t>
-            </a:r>
-          </a:p>
-          <a:p>
-            <a:pPr marL="0" indent="0">
-              <a:buNone/>
-            </a:pPr>
-            <a:r>
-              <a:rPr lang="en-US" dirty="0"/>
-              <a:t> select *from products p</a:t>
-            </a:r>
-          </a:p>
-          <a:p>
-            <a:pPr marL="0" indent="0">
-              <a:buNone/>
-            </a:pPr>
-            <a:r>
-              <a:rPr lang="en-US" dirty="0"/>
-              <a:t>right join categories c</a:t>
-            </a:r>
-          </a:p>
-          <a:p>
-            <a:pPr marL="0" indent="0">
-              <a:buNone/>
-            </a:pPr>
-            <a:r>
-              <a:rPr lang="en-US" dirty="0"/>
-              <a:t> on </a:t>
-            </a:r>
-            <a:r>
-              <a:rPr lang="en-US" dirty="0" err="1"/>
-              <a:t>p.catid</a:t>
-            </a:r>
-            <a:r>
-              <a:rPr lang="en-US" dirty="0"/>
-              <a:t>=</a:t>
-            </a:r>
-            <a:r>
-              <a:rPr lang="en-US" dirty="0" err="1"/>
-              <a:t>c.categoryid</a:t>
-            </a:r>
-            <a:r>
-              <a:rPr lang="en-US" dirty="0"/>
-              <a:t>;</a:t>
-            </a:r>
-            <a:endParaRPr lang="en-IN" dirty="0"/>
-          </a:p>
-          <a:p>
-            <a:pPr marL="0" indent="0">
-              <a:buNone/>
-            </a:pPr>
-            <a:endParaRPr lang="en-IN" dirty="0"/>
-          </a:p>
-        </p:txBody>
-      </p:sp>
+        </p:nvPicPr>
+        <p:blipFill>
+          <a:blip r:embed="rId3">
+            <a:extLst>
+              <a:ext uri="{28A0092B-C50C-407E-A947-70E740481C1C}">
+                <a14:useLocalDpi xmlns:a14="http://schemas.microsoft.com/office/drawing/2010/main" val="0"/>
+              </a:ext>
+            </a:extLst>
+          </a:blip>
+          <a:stretch>
+            <a:fillRect/>
+          </a:stretch>
+        </p:blipFill>
+        <p:spPr>
+          <a:xfrm>
+            <a:off x="1330707" y="2257249"/>
+            <a:ext cx="8885867" cy="4351338"/>
+          </a:xfrm>
+        </p:spPr>
+      </p:pic>
     </p:spTree>
     <p:extLst>
       <p:ext uri="{BB962C8B-B14F-4D97-AF65-F5344CB8AC3E}">
-        <p14:creationId xmlns:p14="http://schemas.microsoft.com/office/powerpoint/2010/main" val="1071229799"/>
+        <p14:creationId xmlns:p14="http://schemas.microsoft.com/office/powerpoint/2010/main" val="3685989525"/>
       </p:ext>
     </p:extLst>
   </p:cSld>
@@ -4846,7 +4926,7 @@
           <p:cNvPr id="2" name="Title 1">
             <a:extLst>
               <a:ext uri="{FF2B5EF4-FFF2-40B4-BE49-F238E27FC236}">
-                <a16:creationId xmlns:a16="http://schemas.microsoft.com/office/drawing/2014/main" id="{FD57F2A1-AF46-4689-A846-89FC293C0417}"/>
+                <a16:creationId xmlns:a16="http://schemas.microsoft.com/office/drawing/2014/main" id="{66BCBC34-7DBD-4746-9AAA-F37C9AEBFCF1}"/>
               </a:ext>
             </a:extLst>
           </p:cNvPr>
@@ -4864,7 +4944,7 @@
           <a:p>
             <a:r>
               <a:rPr lang="en-IN" dirty="0"/>
-              <a:t>Union All</a:t>
+              <a:t>Union</a:t>
             </a:r>
           </a:p>
         </p:txBody>
@@ -4874,7 +4954,7 @@
           <p:cNvPr id="3" name="Content Placeholder 2">
             <a:extLst>
               <a:ext uri="{FF2B5EF4-FFF2-40B4-BE49-F238E27FC236}">
-                <a16:creationId xmlns:a16="http://schemas.microsoft.com/office/drawing/2014/main" id="{3F2C8C10-C078-4965-B00A-5CDE63626B67}"/>
+                <a16:creationId xmlns:a16="http://schemas.microsoft.com/office/drawing/2014/main" id="{9E9B1440-BF5A-49A1-B71B-4013A1BB1C43}"/>
               </a:ext>
             </a:extLst>
           </p:cNvPr>
@@ -4935,7 +5015,7 @@
             </a:pPr>
             <a:r>
               <a:rPr lang="en-US" dirty="0"/>
-              <a:t>union all </a:t>
+              <a:t>union</a:t>
             </a:r>
           </a:p>
           <a:p>
@@ -4944,7 +5024,7 @@
             </a:pPr>
             <a:r>
               <a:rPr lang="en-US" dirty="0"/>
-              <a:t>select *from products p</a:t>
+              <a:t> select *from products p</a:t>
             </a:r>
           </a:p>
           <a:p>
@@ -4953,7 +5033,7 @@
             </a:pPr>
             <a:r>
               <a:rPr lang="en-US" dirty="0"/>
-              <a:t>right join categories c </a:t>
+              <a:t>right join categories c</a:t>
             </a:r>
           </a:p>
           <a:p>
@@ -4962,7 +5042,7 @@
             </a:pPr>
             <a:r>
               <a:rPr lang="en-US" dirty="0"/>
-              <a:t>on </a:t>
+              <a:t> on </a:t>
             </a:r>
             <a:r>
               <a:rPr lang="en-US" dirty="0" err="1"/>
@@ -4980,6 +5060,12 @@
               <a:rPr lang="en-US" dirty="0"/>
               <a:t>;</a:t>
             </a:r>
+            <a:endParaRPr lang="en-IN" dirty="0"/>
+          </a:p>
+          <a:p>
+            <a:pPr marL="0" indent="0">
+              <a:buNone/>
+            </a:pPr>
             <a:endParaRPr lang="en-IN" dirty="0"/>
           </a:p>
         </p:txBody>
@@ -4987,7 +5073,7 @@
     </p:spTree>
     <p:extLst>
       <p:ext uri="{BB962C8B-B14F-4D97-AF65-F5344CB8AC3E}">
-        <p14:creationId xmlns:p14="http://schemas.microsoft.com/office/powerpoint/2010/main" val="2822190776"/>
+        <p14:creationId xmlns:p14="http://schemas.microsoft.com/office/powerpoint/2010/main" val="1071229799"/>
       </p:ext>
     </p:extLst>
   </p:cSld>
@@ -5019,7 +5105,7 @@
           <p:cNvPr id="2" name="Title 1">
             <a:extLst>
               <a:ext uri="{FF2B5EF4-FFF2-40B4-BE49-F238E27FC236}">
-                <a16:creationId xmlns:a16="http://schemas.microsoft.com/office/drawing/2014/main" id="{FBE5AEBE-8C87-45E7-83D5-4C2E692E8A91}"/>
+                <a16:creationId xmlns:a16="http://schemas.microsoft.com/office/drawing/2014/main" id="{FD57F2A1-AF46-4689-A846-89FC293C0417}"/>
               </a:ext>
             </a:extLst>
           </p:cNvPr>
@@ -5037,15 +5123,7 @@
           <a:p>
             <a:r>
               <a:rPr lang="en-IN" dirty="0"/>
-              <a:t>Creating new Table	(</a:t>
-            </a:r>
-            <a:r>
-              <a:rPr lang="en-IN" dirty="0" err="1"/>
-              <a:t>UserInfo</a:t>
-            </a:r>
-            <a:r>
-              <a:rPr lang="en-IN" dirty="0"/>
-              <a:t>)</a:t>
+              <a:t>Union All</a:t>
             </a:r>
           </a:p>
         </p:txBody>
@@ -5055,7 +5133,7 @@
           <p:cNvPr id="3" name="Content Placeholder 2">
             <a:extLst>
               <a:ext uri="{FF2B5EF4-FFF2-40B4-BE49-F238E27FC236}">
-                <a16:creationId xmlns:a16="http://schemas.microsoft.com/office/drawing/2014/main" id="{E2A4F865-A73F-4072-A394-4E6B191D5793}"/>
+                <a16:creationId xmlns:a16="http://schemas.microsoft.com/office/drawing/2014/main" id="{3F2C8C10-C078-4965-B00A-5CDE63626B67}"/>
               </a:ext>
             </a:extLst>
           </p:cNvPr>
@@ -5075,32 +5153,8 @@
               <a:buNone/>
             </a:pPr>
             <a:r>
-              <a:rPr lang="en-IN" dirty="0"/>
-              <a:t>create table </a:t>
-            </a:r>
-            <a:r>
-              <a:rPr lang="en-IN" dirty="0" err="1"/>
-              <a:t>user_info</a:t>
-            </a:r>
-            <a:r>
-              <a:rPr lang="en-IN" dirty="0"/>
-              <a:t>(</a:t>
-            </a:r>
-            <a:r>
-              <a:rPr lang="en-IN" dirty="0" err="1"/>
-              <a:t>userid</a:t>
-            </a:r>
-            <a:r>
-              <a:rPr lang="en-IN" dirty="0"/>
-              <a:t> int primary key </a:t>
-            </a:r>
-            <a:r>
-              <a:rPr lang="en-IN" dirty="0" err="1"/>
-              <a:t>auto_increment</a:t>
-            </a:r>
-            <a:r>
-              <a:rPr lang="en-IN" dirty="0"/>
-              <a:t>,</a:t>
+              <a:rPr lang="en-US" dirty="0"/>
+              <a:t>select *from products p</a:t>
             </a:r>
           </a:p>
           <a:p>
@@ -5108,8 +5162,8 @@
               <a:buNone/>
             </a:pPr>
             <a:r>
-              <a:rPr lang="en-IN" dirty="0"/>
-              <a:t>username varchar(20),password varchar(20),productid varchar(20),</a:t>
+              <a:rPr lang="en-US" dirty="0"/>
+              <a:t>left join categories c </a:t>
             </a:r>
           </a:p>
           <a:p>
@@ -5117,55 +5171,82 @@
               <a:buNone/>
             </a:pPr>
             <a:r>
-              <a:rPr lang="en-IN" dirty="0"/>
-              <a:t>foreign key(productid) references products(</a:t>
-            </a:r>
-            <a:r>
-              <a:rPr lang="en-IN" dirty="0" err="1"/>
-              <a:t>product_id</a:t>
-            </a:r>
-            <a:r>
-              <a:rPr lang="en-IN" dirty="0"/>
-              <a:t>));</a:t>
-            </a:r>
+              <a:rPr lang="en-US" dirty="0"/>
+              <a:t>on </a:t>
+            </a:r>
+            <a:r>
+              <a:rPr lang="en-US" dirty="0" err="1"/>
+              <a:t>p.catid</a:t>
+            </a:r>
+            <a:r>
+              <a:rPr lang="en-US" dirty="0"/>
+              <a:t>=</a:t>
+            </a:r>
+            <a:r>
+              <a:rPr lang="en-US" dirty="0" err="1"/>
+              <a:t>c.categoryid</a:t>
+            </a:r>
+            <a:endParaRPr lang="en-US" dirty="0"/>
           </a:p>
           <a:p>
             <a:pPr marL="0" indent="0">
               <a:buNone/>
             </a:pPr>
+            <a:r>
+              <a:rPr lang="en-US" dirty="0"/>
+              <a:t>union all </a:t>
+            </a:r>
+          </a:p>
+          <a:p>
+            <a:pPr marL="0" indent="0">
+              <a:buNone/>
+            </a:pPr>
+            <a:r>
+              <a:rPr lang="en-US" dirty="0"/>
+              <a:t>select *from products p</a:t>
+            </a:r>
+          </a:p>
+          <a:p>
+            <a:pPr marL="0" indent="0">
+              <a:buNone/>
+            </a:pPr>
+            <a:r>
+              <a:rPr lang="en-US" dirty="0"/>
+              <a:t>right join categories c </a:t>
+            </a:r>
+          </a:p>
+          <a:p>
+            <a:pPr marL="0" indent="0">
+              <a:buNone/>
+            </a:pPr>
+            <a:r>
+              <a:rPr lang="en-US" dirty="0"/>
+              <a:t>on </a:t>
+            </a:r>
+            <a:r>
+              <a:rPr lang="en-US" dirty="0" err="1"/>
+              <a:t>p.catid</a:t>
+            </a:r>
+            <a:r>
+              <a:rPr lang="en-US" dirty="0"/>
+              <a:t>=</a:t>
+            </a:r>
+            <a:r>
+              <a:rPr lang="en-US" dirty="0" err="1"/>
+              <a:t>c.categoryid</a:t>
+            </a:r>
+            <a:r>
+              <a:rPr lang="en-US" dirty="0"/>
+              <a:t>;</a:t>
+            </a:r>
             <a:endParaRPr lang="en-IN" dirty="0"/>
-          </a:p>
-          <a:p>
-            <a:pPr marL="0" indent="0">
-              <a:buNone/>
-            </a:pPr>
-            <a:r>
-              <a:rPr lang="en-IN" dirty="0"/>
-              <a:t>insert into </a:t>
-            </a:r>
-            <a:r>
-              <a:rPr lang="en-IN" dirty="0" err="1"/>
-              <a:t>user_info</a:t>
-            </a:r>
-            <a:r>
-              <a:rPr lang="en-IN" dirty="0"/>
-              <a:t>(</a:t>
-            </a:r>
-            <a:r>
-              <a:rPr lang="en-IN" dirty="0" err="1"/>
-              <a:t>username,password,productid</a:t>
-            </a:r>
-            <a:r>
-              <a:rPr lang="en-IN" dirty="0"/>
-              <a:t>) values('aman','123','201'),('rohan','456','203'),('rohit','789','204');</a:t>
-            </a:r>
           </a:p>
         </p:txBody>
       </p:sp>
     </p:spTree>
     <p:extLst>
       <p:ext uri="{BB962C8B-B14F-4D97-AF65-F5344CB8AC3E}">
-        <p14:creationId xmlns:p14="http://schemas.microsoft.com/office/powerpoint/2010/main" val="1746150352"/>
+        <p14:creationId xmlns:p14="http://schemas.microsoft.com/office/powerpoint/2010/main" val="2822190776"/>
       </p:ext>
     </p:extLst>
   </p:cSld>
@@ -5197,7 +5278,7 @@
           <p:cNvPr id="2" name="Title 1">
             <a:extLst>
               <a:ext uri="{FF2B5EF4-FFF2-40B4-BE49-F238E27FC236}">
-                <a16:creationId xmlns:a16="http://schemas.microsoft.com/office/drawing/2014/main" id="{EAD3A80F-1394-44B5-8A70-7BB0694C959D}"/>
+                <a16:creationId xmlns:a16="http://schemas.microsoft.com/office/drawing/2014/main" id="{FBE5AEBE-8C87-45E7-83D5-4C2E692E8A91}"/>
               </a:ext>
             </a:extLst>
           </p:cNvPr>
@@ -5215,7 +5296,15 @@
           <a:p>
             <a:r>
               <a:rPr lang="en-IN" dirty="0"/>
-              <a:t>Joining multiple tables</a:t>
+              <a:t>Creating new Table	(</a:t>
+            </a:r>
+            <a:r>
+              <a:rPr lang="en-IN" dirty="0" err="1"/>
+              <a:t>UserInfo</a:t>
+            </a:r>
+            <a:r>
+              <a:rPr lang="en-IN" dirty="0"/>
+              <a:t>)</a:t>
             </a:r>
           </a:p>
         </p:txBody>
@@ -5225,7 +5314,7 @@
           <p:cNvPr id="3" name="Content Placeholder 2">
             <a:extLst>
               <a:ext uri="{FF2B5EF4-FFF2-40B4-BE49-F238E27FC236}">
-                <a16:creationId xmlns:a16="http://schemas.microsoft.com/office/drawing/2014/main" id="{46165863-37F6-4501-BD63-4DE80F6C3C0A}"/>
+                <a16:creationId xmlns:a16="http://schemas.microsoft.com/office/drawing/2014/main" id="{E2A4F865-A73F-4072-A394-4E6B191D5793}"/>
               </a:ext>
             </a:extLst>
           </p:cNvPr>
@@ -5238,9 +5327,7 @@
         </p:nvSpPr>
         <p:spPr/>
         <p:txBody>
-          <a:bodyPr>
-            <a:normAutofit fontScale="62500" lnSpcReduction="20000"/>
-          </a:bodyPr>
+          <a:bodyPr/>
           <a:lstStyle/>
           <a:p>
             <a:pPr marL="0" indent="0">
@@ -5248,47 +5335,7 @@
             </a:pPr>
             <a:r>
               <a:rPr lang="en-IN" dirty="0"/>
-              <a:t>select * from products p</a:t>
-            </a:r>
-          </a:p>
-          <a:p>
-            <a:pPr marL="0" indent="0">
-              <a:buNone/>
-            </a:pPr>
-            <a:r>
-              <a:rPr lang="en-IN" dirty="0"/>
-              <a:t>inner join categories c</a:t>
-            </a:r>
-          </a:p>
-          <a:p>
-            <a:pPr marL="0" indent="0">
-              <a:buNone/>
-            </a:pPr>
-            <a:r>
-              <a:rPr lang="en-IN" dirty="0"/>
-              <a:t>on </a:t>
-            </a:r>
-            <a:r>
-              <a:rPr lang="en-IN" dirty="0" err="1"/>
-              <a:t>p.catid</a:t>
-            </a:r>
-            <a:r>
-              <a:rPr lang="en-IN" dirty="0"/>
-              <a:t>=</a:t>
-            </a:r>
-            <a:r>
-              <a:rPr lang="en-IN" dirty="0" err="1"/>
-              <a:t>c.categoryid</a:t>
-            </a:r>
-            <a:endParaRPr lang="en-IN" dirty="0"/>
-          </a:p>
-          <a:p>
-            <a:pPr marL="0" indent="0">
-              <a:buNone/>
-            </a:pPr>
-            <a:r>
-              <a:rPr lang="en-IN" dirty="0"/>
-              <a:t>inner join </a:t>
+              <a:t>create table </a:t>
             </a:r>
             <a:r>
               <a:rPr lang="en-IN" dirty="0" err="1"/>
@@ -5296,7 +5343,23 @@
             </a:r>
             <a:r>
               <a:rPr lang="en-IN" dirty="0"/>
-              <a:t> u</a:t>
+              <a:t>(</a:t>
+            </a:r>
+            <a:r>
+              <a:rPr lang="en-IN" dirty="0" err="1"/>
+              <a:t>userid</a:t>
+            </a:r>
+            <a:r>
+              <a:rPr lang="en-IN" dirty="0"/>
+              <a:t> int primary key </a:t>
+            </a:r>
+            <a:r>
+              <a:rPr lang="en-IN" dirty="0" err="1"/>
+              <a:t>auto_increment</a:t>
+            </a:r>
+            <a:r>
+              <a:rPr lang="en-IN" dirty="0"/>
+              <a:t>,</a:t>
             </a:r>
           </a:p>
           <a:p>
@@ -5305,23 +5368,24 @@
             </a:pPr>
             <a:r>
               <a:rPr lang="en-IN" dirty="0"/>
-              <a:t>on </a:t>
+              <a:t>username varchar(20),password varchar(20),productid varchar(20),</a:t>
+            </a:r>
+          </a:p>
+          <a:p>
+            <a:pPr marL="0" indent="0">
+              <a:buNone/>
+            </a:pPr>
+            <a:r>
+              <a:rPr lang="en-IN" dirty="0"/>
+              <a:t>foreign key(productid) references products(</a:t>
             </a:r>
             <a:r>
               <a:rPr lang="en-IN" dirty="0" err="1"/>
-              <a:t>u.productid</a:t>
+              <a:t>product_id</a:t>
             </a:r>
             <a:r>
               <a:rPr lang="en-IN" dirty="0"/>
-              <a:t>=</a:t>
-            </a:r>
-            <a:r>
-              <a:rPr lang="en-IN" dirty="0" err="1"/>
-              <a:t>p.product_id</a:t>
-            </a:r>
-            <a:r>
-              <a:rPr lang="en-IN" dirty="0"/>
-              <a:t>;</a:t>
+              <a:t>));</a:t>
             </a:r>
           </a:p>
           <a:p>
@@ -5334,64 +5398,9 @@
             <a:pPr marL="0" indent="0">
               <a:buNone/>
             </a:pPr>
-            <a:endParaRPr lang="en-IN" dirty="0"/>
-          </a:p>
-          <a:p>
-            <a:pPr marL="0" indent="0">
-              <a:buNone/>
-            </a:pPr>
             <a:r>
               <a:rPr lang="en-IN" dirty="0"/>
-              <a:t>select * from categories c</a:t>
-            </a:r>
-          </a:p>
-          <a:p>
-            <a:pPr marL="0" indent="0">
-              <a:buNone/>
-            </a:pPr>
-            <a:r>
-              <a:rPr lang="en-IN" dirty="0"/>
-              <a:t>inner join products p</a:t>
-            </a:r>
-          </a:p>
-          <a:p>
-            <a:pPr marL="0" indent="0">
-              <a:buNone/>
-            </a:pPr>
-            <a:r>
-              <a:rPr lang="en-IN" dirty="0"/>
-              <a:t>on </a:t>
-            </a:r>
-            <a:r>
-              <a:rPr lang="en-IN" dirty="0" err="1"/>
-              <a:t>p.catid</a:t>
-            </a:r>
-            <a:r>
-              <a:rPr lang="en-IN" dirty="0"/>
-              <a:t>=</a:t>
-            </a:r>
-            <a:r>
-              <a:rPr lang="en-IN" dirty="0" err="1"/>
-              <a:t>c.categoryid</a:t>
-            </a:r>
-            <a:r>
-              <a:rPr lang="en-IN" dirty="0"/>
-              <a:t> </a:t>
-            </a:r>
-          </a:p>
-          <a:p>
-            <a:pPr marL="0" indent="0">
-              <a:buNone/>
-            </a:pPr>
-            <a:endParaRPr lang="en-IN" dirty="0"/>
-          </a:p>
-          <a:p>
-            <a:pPr marL="0" indent="0">
-              <a:buNone/>
-            </a:pPr>
-            <a:r>
-              <a:rPr lang="en-IN" dirty="0"/>
-              <a:t>inner join </a:t>
+              <a:t>insert into </a:t>
             </a:r>
             <a:r>
               <a:rPr lang="en-IN" dirty="0" err="1"/>
@@ -5399,32 +5408,15 @@
             </a:r>
             <a:r>
               <a:rPr lang="en-IN" dirty="0"/>
-              <a:t> u</a:t>
-            </a:r>
-          </a:p>
-          <a:p>
-            <a:pPr marL="0" indent="0">
-              <a:buNone/>
-            </a:pPr>
+              <a:t>(</a:t>
+            </a:r>
+            <a:r>
+              <a:rPr lang="en-IN" dirty="0" err="1"/>
+              <a:t>username,password,productid</a:t>
+            </a:r>
             <a:r>
               <a:rPr lang="en-IN" dirty="0"/>
-              <a:t>on </a:t>
-            </a:r>
-            <a:r>
-              <a:rPr lang="en-IN" dirty="0" err="1"/>
-              <a:t>u.productid</a:t>
-            </a:r>
-            <a:r>
-              <a:rPr lang="en-IN" dirty="0"/>
-              <a:t>=</a:t>
-            </a:r>
-            <a:r>
-              <a:rPr lang="en-IN" dirty="0" err="1"/>
-              <a:t>p.product_id</a:t>
-            </a:r>
-            <a:r>
-              <a:rPr lang="en-IN" dirty="0"/>
-              <a:t>;</a:t>
+              <a:t>) values('aman','123','201'),('rohan','456','203'),('rohit','789','204');</a:t>
             </a:r>
           </a:p>
         </p:txBody>
@@ -5432,7 +5424,7 @@
     </p:spTree>
     <p:extLst>
       <p:ext uri="{BB962C8B-B14F-4D97-AF65-F5344CB8AC3E}">
-        <p14:creationId xmlns:p14="http://schemas.microsoft.com/office/powerpoint/2010/main" val="1604416144"/>
+        <p14:creationId xmlns:p14="http://schemas.microsoft.com/office/powerpoint/2010/main" val="1746150352"/>
       </p:ext>
     </p:extLst>
   </p:cSld>
@@ -5665,6 +5657,273 @@
           <p:cNvPr id="2" name="Title 1">
             <a:extLst>
               <a:ext uri="{FF2B5EF4-FFF2-40B4-BE49-F238E27FC236}">
+                <a16:creationId xmlns:a16="http://schemas.microsoft.com/office/drawing/2014/main" id="{EAD3A80F-1394-44B5-8A70-7BB0694C959D}"/>
+              </a:ext>
+            </a:extLst>
+          </p:cNvPr>
+          <p:cNvSpPr>
+            <a:spLocks noGrp="1"/>
+          </p:cNvSpPr>
+          <p:nvPr>
+            <p:ph type="title"/>
+          </p:nvPr>
+        </p:nvSpPr>
+        <p:spPr/>
+        <p:txBody>
+          <a:bodyPr/>
+          <a:lstStyle/>
+          <a:p>
+            <a:r>
+              <a:rPr lang="en-IN" dirty="0"/>
+              <a:t>Joining multiple tables</a:t>
+            </a:r>
+          </a:p>
+        </p:txBody>
+      </p:sp>
+      <p:sp>
+        <p:nvSpPr>
+          <p:cNvPr id="3" name="Content Placeholder 2">
+            <a:extLst>
+              <a:ext uri="{FF2B5EF4-FFF2-40B4-BE49-F238E27FC236}">
+                <a16:creationId xmlns:a16="http://schemas.microsoft.com/office/drawing/2014/main" id="{46165863-37F6-4501-BD63-4DE80F6C3C0A}"/>
+              </a:ext>
+            </a:extLst>
+          </p:cNvPr>
+          <p:cNvSpPr>
+            <a:spLocks noGrp="1"/>
+          </p:cNvSpPr>
+          <p:nvPr>
+            <p:ph idx="1"/>
+          </p:nvPr>
+        </p:nvSpPr>
+        <p:spPr/>
+        <p:txBody>
+          <a:bodyPr>
+            <a:normAutofit fontScale="62500" lnSpcReduction="20000"/>
+          </a:bodyPr>
+          <a:lstStyle/>
+          <a:p>
+            <a:pPr marL="0" indent="0">
+              <a:buNone/>
+            </a:pPr>
+            <a:r>
+              <a:rPr lang="en-IN" dirty="0"/>
+              <a:t>select * from products p</a:t>
+            </a:r>
+          </a:p>
+          <a:p>
+            <a:pPr marL="0" indent="0">
+              <a:buNone/>
+            </a:pPr>
+            <a:r>
+              <a:rPr lang="en-IN" dirty="0"/>
+              <a:t>inner join categories c</a:t>
+            </a:r>
+          </a:p>
+          <a:p>
+            <a:pPr marL="0" indent="0">
+              <a:buNone/>
+            </a:pPr>
+            <a:r>
+              <a:rPr lang="en-IN" dirty="0"/>
+              <a:t>on </a:t>
+            </a:r>
+            <a:r>
+              <a:rPr lang="en-IN" dirty="0" err="1"/>
+              <a:t>p.catid</a:t>
+            </a:r>
+            <a:r>
+              <a:rPr lang="en-IN" dirty="0"/>
+              <a:t>=</a:t>
+            </a:r>
+            <a:r>
+              <a:rPr lang="en-IN" dirty="0" err="1"/>
+              <a:t>c.categoryid</a:t>
+            </a:r>
+            <a:endParaRPr lang="en-IN" dirty="0"/>
+          </a:p>
+          <a:p>
+            <a:pPr marL="0" indent="0">
+              <a:buNone/>
+            </a:pPr>
+            <a:r>
+              <a:rPr lang="en-IN" dirty="0"/>
+              <a:t>inner join </a:t>
+            </a:r>
+            <a:r>
+              <a:rPr lang="en-IN" dirty="0" err="1"/>
+              <a:t>user_info</a:t>
+            </a:r>
+            <a:r>
+              <a:rPr lang="en-IN" dirty="0"/>
+              <a:t> u</a:t>
+            </a:r>
+          </a:p>
+          <a:p>
+            <a:pPr marL="0" indent="0">
+              <a:buNone/>
+            </a:pPr>
+            <a:r>
+              <a:rPr lang="en-IN" dirty="0"/>
+              <a:t>on </a:t>
+            </a:r>
+            <a:r>
+              <a:rPr lang="en-IN" dirty="0" err="1"/>
+              <a:t>u.productid</a:t>
+            </a:r>
+            <a:r>
+              <a:rPr lang="en-IN" dirty="0"/>
+              <a:t>=</a:t>
+            </a:r>
+            <a:r>
+              <a:rPr lang="en-IN" dirty="0" err="1"/>
+              <a:t>p.product_id</a:t>
+            </a:r>
+            <a:r>
+              <a:rPr lang="en-IN" dirty="0"/>
+              <a:t>;</a:t>
+            </a:r>
+          </a:p>
+          <a:p>
+            <a:pPr marL="0" indent="0">
+              <a:buNone/>
+            </a:pPr>
+            <a:endParaRPr lang="en-IN" dirty="0"/>
+          </a:p>
+          <a:p>
+            <a:pPr marL="0" indent="0">
+              <a:buNone/>
+            </a:pPr>
+            <a:endParaRPr lang="en-IN" dirty="0"/>
+          </a:p>
+          <a:p>
+            <a:pPr marL="0" indent="0">
+              <a:buNone/>
+            </a:pPr>
+            <a:r>
+              <a:rPr lang="en-IN" dirty="0"/>
+              <a:t>select * from categories c</a:t>
+            </a:r>
+          </a:p>
+          <a:p>
+            <a:pPr marL="0" indent="0">
+              <a:buNone/>
+            </a:pPr>
+            <a:r>
+              <a:rPr lang="en-IN" dirty="0"/>
+              <a:t>inner join products p</a:t>
+            </a:r>
+          </a:p>
+          <a:p>
+            <a:pPr marL="0" indent="0">
+              <a:buNone/>
+            </a:pPr>
+            <a:r>
+              <a:rPr lang="en-IN" dirty="0"/>
+              <a:t>on </a:t>
+            </a:r>
+            <a:r>
+              <a:rPr lang="en-IN" dirty="0" err="1"/>
+              <a:t>p.catid</a:t>
+            </a:r>
+            <a:r>
+              <a:rPr lang="en-IN" dirty="0"/>
+              <a:t>=</a:t>
+            </a:r>
+            <a:r>
+              <a:rPr lang="en-IN" dirty="0" err="1"/>
+              <a:t>c.categoryid</a:t>
+            </a:r>
+            <a:r>
+              <a:rPr lang="en-IN" dirty="0"/>
+              <a:t> </a:t>
+            </a:r>
+          </a:p>
+          <a:p>
+            <a:pPr marL="0" indent="0">
+              <a:buNone/>
+            </a:pPr>
+            <a:endParaRPr lang="en-IN" dirty="0"/>
+          </a:p>
+          <a:p>
+            <a:pPr marL="0" indent="0">
+              <a:buNone/>
+            </a:pPr>
+            <a:r>
+              <a:rPr lang="en-IN" dirty="0"/>
+              <a:t>inner join </a:t>
+            </a:r>
+            <a:r>
+              <a:rPr lang="en-IN" dirty="0" err="1"/>
+              <a:t>user_info</a:t>
+            </a:r>
+            <a:r>
+              <a:rPr lang="en-IN" dirty="0"/>
+              <a:t> u</a:t>
+            </a:r>
+          </a:p>
+          <a:p>
+            <a:pPr marL="0" indent="0">
+              <a:buNone/>
+            </a:pPr>
+            <a:r>
+              <a:rPr lang="en-IN" dirty="0"/>
+              <a:t>on </a:t>
+            </a:r>
+            <a:r>
+              <a:rPr lang="en-IN" dirty="0" err="1"/>
+              <a:t>u.productid</a:t>
+            </a:r>
+            <a:r>
+              <a:rPr lang="en-IN" dirty="0"/>
+              <a:t>=</a:t>
+            </a:r>
+            <a:r>
+              <a:rPr lang="en-IN" dirty="0" err="1"/>
+              <a:t>p.product_id</a:t>
+            </a:r>
+            <a:r>
+              <a:rPr lang="en-IN" dirty="0"/>
+              <a:t>;</a:t>
+            </a:r>
+          </a:p>
+        </p:txBody>
+      </p:sp>
+    </p:spTree>
+    <p:extLst>
+      <p:ext uri="{BB962C8B-B14F-4D97-AF65-F5344CB8AC3E}">
+        <p14:creationId xmlns:p14="http://schemas.microsoft.com/office/powerpoint/2010/main" val="1604416144"/>
+      </p:ext>
+    </p:extLst>
+  </p:cSld>
+  <p:clrMapOvr>
+    <a:masterClrMapping/>
+  </p:clrMapOvr>
+</p:sld>
+</file>
+
+<file path=ppt/slides/slide21.xml><?xml version="1.0" encoding="utf-8"?>
+<p:sld xmlns:a="http://schemas.openxmlformats.org/drawingml/2006/main" xmlns:r="http://schemas.openxmlformats.org/officeDocument/2006/relationships" xmlns:p="http://schemas.openxmlformats.org/presentationml/2006/main">
+  <p:cSld>
+    <p:spTree>
+      <p:nvGrpSpPr>
+        <p:cNvPr id="1" name=""/>
+        <p:cNvGrpSpPr/>
+        <p:nvPr/>
+      </p:nvGrpSpPr>
+      <p:grpSpPr>
+        <a:xfrm>
+          <a:off x="0" y="0"/>
+          <a:ext cx="0" cy="0"/>
+          <a:chOff x="0" y="0"/>
+          <a:chExt cx="0" cy="0"/>
+        </a:xfrm>
+      </p:grpSpPr>
+      <p:sp>
+        <p:nvSpPr>
+          <p:cNvPr id="2" name="Title 1">
+            <a:extLst>
+              <a:ext uri="{FF2B5EF4-FFF2-40B4-BE49-F238E27FC236}">
                 <a16:creationId xmlns:a16="http://schemas.microsoft.com/office/drawing/2014/main" id="{F2CE91A6-0C87-49F5-80C7-C7A3D79B7DB6}"/>
               </a:ext>
             </a:extLst>
@@ -5847,7 +6106,7 @@
 </p:sld>
 </file>
 
-<file path=ppt/slides/slide21.xml><?xml version="1.0" encoding="utf-8"?>
+<file path=ppt/slides/slide22.xml><?xml version="1.0" encoding="utf-8"?>
 <p:sld xmlns:a="http://schemas.openxmlformats.org/drawingml/2006/main" xmlns:r="http://schemas.openxmlformats.org/officeDocument/2006/relationships" xmlns:p="http://schemas.openxmlformats.org/presentationml/2006/main">
   <p:cSld>
     <p:spTree>
@@ -5978,7 +6237,7 @@
 </p:sld>
 </file>
 
-<file path=ppt/slides/slide22.xml><?xml version="1.0" encoding="utf-8"?>
+<file path=ppt/slides/slide23.xml><?xml version="1.0" encoding="utf-8"?>
 <p:sld xmlns:a="http://schemas.openxmlformats.org/drawingml/2006/main" xmlns:r="http://schemas.openxmlformats.org/officeDocument/2006/relationships" xmlns:p="http://schemas.openxmlformats.org/presentationml/2006/main">
   <p:cSld>
     <p:spTree>
@@ -6398,6 +6657,95 @@
           <a:lstStyle/>
           <a:p>
             <a:r>
+              <a:rPr lang="en-US" dirty="0"/>
+              <a:t>Enhanced Entity Relationship Diagram(EER)</a:t>
+            </a:r>
+            <a:endParaRPr lang="en-IN" dirty="0"/>
+          </a:p>
+        </p:txBody>
+      </p:sp>
+      <p:pic>
+        <p:nvPicPr>
+          <p:cNvPr id="7" name="Picture 6">
+            <a:extLst>
+              <a:ext uri="{FF2B5EF4-FFF2-40B4-BE49-F238E27FC236}">
+                <a16:creationId xmlns:a16="http://schemas.microsoft.com/office/drawing/2014/main" id="{0F80F3AF-13AB-9E08-3AFB-FDF1172D9C01}"/>
+              </a:ext>
+            </a:extLst>
+          </p:cNvPr>
+          <p:cNvPicPr>
+            <a:picLocks noChangeAspect="1"/>
+          </p:cNvPicPr>
+          <p:nvPr/>
+        </p:nvPicPr>
+        <p:blipFill>
+          <a:blip r:embed="rId2"/>
+          <a:stretch>
+            <a:fillRect/>
+          </a:stretch>
+        </p:blipFill>
+        <p:spPr>
+          <a:xfrm>
+            <a:off x="1175651" y="1738076"/>
+            <a:ext cx="9840698" cy="3381847"/>
+          </a:xfrm>
+          <a:prstGeom prst="rect">
+            <a:avLst/>
+          </a:prstGeom>
+        </p:spPr>
+      </p:pic>
+    </p:spTree>
+    <p:extLst>
+      <p:ext uri="{BB962C8B-B14F-4D97-AF65-F5344CB8AC3E}">
+        <p14:creationId xmlns:p14="http://schemas.microsoft.com/office/powerpoint/2010/main" val="1673560397"/>
+      </p:ext>
+    </p:extLst>
+  </p:cSld>
+  <p:clrMapOvr>
+    <a:masterClrMapping/>
+  </p:clrMapOvr>
+</p:sld>
+</file>
+
+<file path=ppt/slides/slide7.xml><?xml version="1.0" encoding="utf-8"?>
+<p:sld xmlns:a="http://schemas.openxmlformats.org/drawingml/2006/main" xmlns:r="http://schemas.openxmlformats.org/officeDocument/2006/relationships" xmlns:p="http://schemas.openxmlformats.org/presentationml/2006/main">
+  <p:cSld>
+    <p:spTree>
+      <p:nvGrpSpPr>
+        <p:cNvPr id="1" name=""/>
+        <p:cNvGrpSpPr/>
+        <p:nvPr/>
+      </p:nvGrpSpPr>
+      <p:grpSpPr>
+        <a:xfrm>
+          <a:off x="0" y="0"/>
+          <a:ext cx="0" cy="0"/>
+          <a:chOff x="0" y="0"/>
+          <a:chExt cx="0" cy="0"/>
+        </a:xfrm>
+      </p:grpSpPr>
+      <p:sp>
+        <p:nvSpPr>
+          <p:cNvPr id="2" name="Title 1">
+            <a:extLst>
+              <a:ext uri="{FF2B5EF4-FFF2-40B4-BE49-F238E27FC236}">
+                <a16:creationId xmlns:a16="http://schemas.microsoft.com/office/drawing/2014/main" id="{74A20A36-8B8E-436A-A224-C6F25B1268D6}"/>
+              </a:ext>
+            </a:extLst>
+          </p:cNvPr>
+          <p:cNvSpPr>
+            <a:spLocks noGrp="1"/>
+          </p:cNvSpPr>
+          <p:nvPr>
+            <p:ph type="title"/>
+          </p:nvPr>
+        </p:nvSpPr>
+        <p:spPr/>
+        <p:txBody>
+          <a:bodyPr/>
+          <a:lstStyle/>
+          <a:p>
+            <a:r>
               <a:rPr lang="en-IN" dirty="0"/>
               <a:t>Products and Categories table  </a:t>
             </a:r>
@@ -6488,7 +6836,7 @@
 </p:sld>
 </file>
 
-<file path=ppt/slides/slide7.xml><?xml version="1.0" encoding="utf-8"?>
+<file path=ppt/slides/slide8.xml><?xml version="1.0" encoding="utf-8"?>
 <p:sld xmlns:a="http://schemas.openxmlformats.org/drawingml/2006/main" xmlns:r="http://schemas.openxmlformats.org/officeDocument/2006/relationships" xmlns:p="http://schemas.openxmlformats.org/presentationml/2006/main">
   <p:cSld>
     <p:spTree>
@@ -6544,125 +6892,6 @@
     <p:extLst>
       <p:ext uri="{BB962C8B-B14F-4D97-AF65-F5344CB8AC3E}">
         <p14:creationId xmlns:p14="http://schemas.microsoft.com/office/powerpoint/2010/main" val="3602425555"/>
-      </p:ext>
-    </p:extLst>
-  </p:cSld>
-  <p:clrMapOvr>
-    <a:masterClrMapping/>
-  </p:clrMapOvr>
-</p:sld>
-</file>
-
-<file path=ppt/slides/slide8.xml><?xml version="1.0" encoding="utf-8"?>
-<p:sld xmlns:a="http://schemas.openxmlformats.org/drawingml/2006/main" xmlns:r="http://schemas.openxmlformats.org/officeDocument/2006/relationships" xmlns:p="http://schemas.openxmlformats.org/presentationml/2006/main">
-  <p:cSld>
-    <p:spTree>
-      <p:nvGrpSpPr>
-        <p:cNvPr id="1" name=""/>
-        <p:cNvGrpSpPr/>
-        <p:nvPr/>
-      </p:nvGrpSpPr>
-      <p:grpSpPr>
-        <a:xfrm>
-          <a:off x="0" y="0"/>
-          <a:ext cx="0" cy="0"/>
-          <a:chOff x="0" y="0"/>
-          <a:chExt cx="0" cy="0"/>
-        </a:xfrm>
-      </p:grpSpPr>
-      <p:sp>
-        <p:nvSpPr>
-          <p:cNvPr id="2" name="Title 1">
-            <a:extLst>
-              <a:ext uri="{FF2B5EF4-FFF2-40B4-BE49-F238E27FC236}">
-                <a16:creationId xmlns:a16="http://schemas.microsoft.com/office/drawing/2014/main" id="{74A20A36-8B8E-436A-A224-C6F25B1268D6}"/>
-              </a:ext>
-            </a:extLst>
-          </p:cNvPr>
-          <p:cNvSpPr>
-            <a:spLocks noGrp="1"/>
-          </p:cNvSpPr>
-          <p:nvPr>
-            <p:ph type="title"/>
-          </p:nvPr>
-        </p:nvSpPr>
-        <p:spPr/>
-        <p:txBody>
-          <a:bodyPr/>
-          <a:lstStyle/>
-          <a:p>
-            <a:r>
-              <a:rPr lang="en-IN" dirty="0"/>
-              <a:t>Notes : </a:t>
-            </a:r>
-          </a:p>
-        </p:txBody>
-      </p:sp>
-      <p:sp>
-        <p:nvSpPr>
-          <p:cNvPr id="3" name="Content Placeholder 2">
-            <a:extLst>
-              <a:ext uri="{FF2B5EF4-FFF2-40B4-BE49-F238E27FC236}">
-                <a16:creationId xmlns:a16="http://schemas.microsoft.com/office/drawing/2014/main" id="{3E28C735-63AC-457E-BC8C-10F6C1A94EF1}"/>
-              </a:ext>
-            </a:extLst>
-          </p:cNvPr>
-          <p:cNvSpPr>
-            <a:spLocks noGrp="1"/>
-          </p:cNvSpPr>
-          <p:nvPr>
-            <p:ph idx="1"/>
-          </p:nvPr>
-        </p:nvSpPr>
-        <p:spPr/>
-        <p:txBody>
-          <a:bodyPr>
-            <a:normAutofit lnSpcReduction="10000"/>
-          </a:bodyPr>
-          <a:lstStyle/>
-          <a:p>
-            <a:r>
-              <a:rPr lang="en-US" dirty="0"/>
-              <a:t>There is no difference between RIGHT JOIN and RIGHT OUTER JOIN. Both are the same.</a:t>
-            </a:r>
-          </a:p>
-          <a:p>
-            <a:r>
-              <a:rPr lang="en-US" dirty="0"/>
-              <a:t>That means that LEFT JOIN and LEFT OUTER JOIN are the same.</a:t>
-            </a:r>
-          </a:p>
-          <a:p>
-            <a:r>
-              <a:rPr lang="en-US" dirty="0"/>
-              <a:t>Products table is considered as Left table and Categories Table is Considered as Right table in our Tutorial.</a:t>
-            </a:r>
-          </a:p>
-          <a:p>
-            <a:r>
-              <a:rPr lang="en-US" dirty="0"/>
-              <a:t>It is not compulsory that every product must lie in a category (that’s why foreign key also accepts multiple null values )</a:t>
-            </a:r>
-          </a:p>
-          <a:p>
-            <a:r>
-              <a:rPr lang="en-US" dirty="0"/>
-              <a:t>You cannot use using clause instead of on clause because our column name is different in both the tables </a:t>
-            </a:r>
-          </a:p>
-          <a:p>
-            <a:r>
-              <a:rPr lang="en-US" dirty="0"/>
-              <a:t>Full outer join is not supported in MySQL</a:t>
-            </a:r>
-            <a:endParaRPr lang="en-IN" dirty="0"/>
-          </a:p>
-        </p:txBody>
-      </p:sp>
-    </p:spTree>
-    <p:extLst>
-      <p:ext uri="{BB962C8B-B14F-4D97-AF65-F5344CB8AC3E}">
-        <p14:creationId xmlns:p14="http://schemas.microsoft.com/office/powerpoint/2010/main" val="883971753"/>
       </p:ext>
     </p:extLst>
   </p:cSld>
@@ -6712,215 +6941,76 @@
           <a:p>
             <a:r>
               <a:rPr lang="en-IN" dirty="0"/>
-              <a:t>Cross join , Cartesian </a:t>
-            </a:r>
-            <a:r>
-              <a:rPr lang="en-IN" dirty="0" err="1"/>
-              <a:t>Product,Comma</a:t>
-            </a:r>
-            <a:r>
-              <a:rPr lang="en-IN" dirty="0"/>
-              <a:t> join</a:t>
-            </a:r>
-          </a:p>
-        </p:txBody>
-      </p:sp>
-      <p:pic>
-        <p:nvPicPr>
-          <p:cNvPr id="9" name="Content Placeholder 8">
-            <a:extLst>
-              <a:ext uri="{FF2B5EF4-FFF2-40B4-BE49-F238E27FC236}">
-                <a16:creationId xmlns:a16="http://schemas.microsoft.com/office/drawing/2014/main" id="{C080E69E-49B8-4062-B7EE-3C8FE45BF329}"/>
-              </a:ext>
-            </a:extLst>
-          </p:cNvPr>
-          <p:cNvPicPr>
-            <a:picLocks noGrp="1" noChangeAspect="1"/>
-          </p:cNvPicPr>
+              <a:t>Notes : </a:t>
+            </a:r>
+          </a:p>
+        </p:txBody>
+      </p:sp>
+      <p:sp>
+        <p:nvSpPr>
+          <p:cNvPr id="3" name="Content Placeholder 2">
+            <a:extLst>
+              <a:ext uri="{FF2B5EF4-FFF2-40B4-BE49-F238E27FC236}">
+                <a16:creationId xmlns:a16="http://schemas.microsoft.com/office/drawing/2014/main" id="{3E28C735-63AC-457E-BC8C-10F6C1A94EF1}"/>
+              </a:ext>
+            </a:extLst>
+          </p:cNvPr>
+          <p:cNvSpPr>
+            <a:spLocks noGrp="1"/>
+          </p:cNvSpPr>
           <p:nvPr>
             <p:ph idx="1"/>
           </p:nvPr>
-        </p:nvPicPr>
-        <p:blipFill>
-          <a:blip r:embed="rId2">
-            <a:extLst>
-              <a:ext uri="{28A0092B-C50C-407E-A947-70E740481C1C}">
-                <a14:useLocalDpi xmlns:a14="http://schemas.microsoft.com/office/drawing/2010/main" val="0"/>
-              </a:ext>
-            </a:extLst>
-          </a:blip>
-          <a:stretch>
-            <a:fillRect/>
-          </a:stretch>
-        </p:blipFill>
-        <p:spPr>
-          <a:xfrm>
-            <a:off x="1248355" y="3357093"/>
-            <a:ext cx="9247367" cy="3313706"/>
-          </a:xfrm>
-        </p:spPr>
-      </p:pic>
-      <p:sp>
-        <p:nvSpPr>
-          <p:cNvPr id="4" name="TextBox 3">
-            <a:extLst>
-              <a:ext uri="{FF2B5EF4-FFF2-40B4-BE49-F238E27FC236}">
-                <a16:creationId xmlns:a16="http://schemas.microsoft.com/office/drawing/2014/main" id="{A4DD47BD-66D1-40F0-B7D4-4698B8045719}"/>
-              </a:ext>
-            </a:extLst>
-          </p:cNvPr>
-          <p:cNvSpPr txBox="1"/>
-          <p:nvPr/>
-        </p:nvSpPr>
-        <p:spPr>
-          <a:xfrm>
-            <a:off x="755375" y="1690688"/>
-            <a:ext cx="10917140" cy="369332"/>
-          </a:xfrm>
-          <a:prstGeom prst="rect">
-            <a:avLst/>
-          </a:prstGeom>
-          <a:noFill/>
-        </p:spPr>
-        <p:txBody>
-          <a:bodyPr wrap="square" rtlCol="0">
-            <a:spAutoFit/>
+        </p:nvSpPr>
+        <p:spPr/>
+        <p:txBody>
+          <a:bodyPr>
+            <a:normAutofit lnSpcReduction="10000"/>
           </a:bodyPr>
           <a:lstStyle/>
           <a:p>
             <a:r>
-              <a:rPr lang="en-US" b="0" i="0" dirty="0">
-                <a:solidFill>
-                  <a:srgbClr val="555555"/>
-                </a:solidFill>
-                <a:effectLst/>
-                <a:latin typeface="Open Sans" panose="020B0606030504020204" pitchFamily="34" charset="0"/>
-              </a:rPr>
-              <a:t>This means , each and every row in the first table is joined to each and every row in the second table.</a:t>
+              <a:rPr lang="en-US" dirty="0"/>
+              <a:t>There is no difference between RIGHT JOIN and RIGHT OUTER JOIN. Both are the same.</a:t>
+            </a:r>
+          </a:p>
+          <a:p>
+            <a:r>
+              <a:rPr lang="en-US" dirty="0"/>
+              <a:t>That means that LEFT JOIN and LEFT OUTER JOIN are the same.</a:t>
+            </a:r>
+          </a:p>
+          <a:p>
+            <a:r>
+              <a:rPr lang="en-US" dirty="0"/>
+              <a:t>Products table is considered as Left table and Categories Table is Considered as Right table in our Tutorial.</a:t>
+            </a:r>
+          </a:p>
+          <a:p>
+            <a:r>
+              <a:rPr lang="en-US" dirty="0"/>
+              <a:t>It is not compulsory that every product must lie in a category (that’s why foreign key also accepts multiple null values )</a:t>
+            </a:r>
+          </a:p>
+          <a:p>
+            <a:r>
+              <a:rPr lang="en-US" dirty="0"/>
+              <a:t>You cannot use using clause instead of on clause because our column name is different in both the tables </a:t>
+            </a:r>
+          </a:p>
+          <a:p>
+            <a:r>
+              <a:rPr lang="en-US" dirty="0"/>
+              <a:t>Full outer join is not supported in MySQL</a:t>
             </a:r>
             <a:endParaRPr lang="en-IN" dirty="0"/>
-          </a:p>
-        </p:txBody>
-      </p:sp>
-      <p:sp>
-        <p:nvSpPr>
-          <p:cNvPr id="5" name="TextBox 4">
-            <a:extLst>
-              <a:ext uri="{FF2B5EF4-FFF2-40B4-BE49-F238E27FC236}">
-                <a16:creationId xmlns:a16="http://schemas.microsoft.com/office/drawing/2014/main" id="{03A97007-39C1-4AC0-A1D2-13CD4AAC1A7A}"/>
-              </a:ext>
-            </a:extLst>
-          </p:cNvPr>
-          <p:cNvSpPr txBox="1"/>
-          <p:nvPr/>
-        </p:nvSpPr>
-        <p:spPr>
-          <a:xfrm>
-            <a:off x="1248355" y="2258170"/>
-            <a:ext cx="2059388" cy="923330"/>
-          </a:xfrm>
-          <a:prstGeom prst="rect">
-            <a:avLst/>
-          </a:prstGeom>
-          <a:noFill/>
-        </p:spPr>
-        <p:txBody>
-          <a:bodyPr wrap="square" rtlCol="0">
-            <a:spAutoFit/>
-          </a:bodyPr>
-          <a:lstStyle/>
-          <a:p>
-            <a:r>
-              <a:rPr lang="en-US" dirty="0"/>
-              <a:t>select * from products cross join categories;</a:t>
-            </a:r>
-            <a:endParaRPr lang="en-IN" dirty="0"/>
-          </a:p>
-        </p:txBody>
-      </p:sp>
-      <p:sp>
-        <p:nvSpPr>
-          <p:cNvPr id="6" name="TextBox 5">
-            <a:extLst>
-              <a:ext uri="{FF2B5EF4-FFF2-40B4-BE49-F238E27FC236}">
-                <a16:creationId xmlns:a16="http://schemas.microsoft.com/office/drawing/2014/main" id="{0803319C-3E35-446E-B8DC-BB1C3AAE608B}"/>
-              </a:ext>
-            </a:extLst>
-          </p:cNvPr>
-          <p:cNvSpPr txBox="1"/>
-          <p:nvPr/>
-        </p:nvSpPr>
-        <p:spPr>
-          <a:xfrm>
-            <a:off x="3808675" y="2385391"/>
-            <a:ext cx="2798859" cy="646331"/>
-          </a:xfrm>
-          <a:prstGeom prst="rect">
-            <a:avLst/>
-          </a:prstGeom>
-          <a:noFill/>
-        </p:spPr>
-        <p:txBody>
-          <a:bodyPr wrap="square" rtlCol="0">
-            <a:spAutoFit/>
-          </a:bodyPr>
-          <a:lstStyle/>
-          <a:p>
-            <a:r>
-              <a:rPr lang="en-US" dirty="0"/>
-              <a:t>select * from products join categories;</a:t>
-            </a:r>
-            <a:endParaRPr lang="en-IN" dirty="0"/>
-          </a:p>
-        </p:txBody>
-      </p:sp>
-      <p:sp>
-        <p:nvSpPr>
-          <p:cNvPr id="7" name="TextBox 6">
-            <a:extLst>
-              <a:ext uri="{FF2B5EF4-FFF2-40B4-BE49-F238E27FC236}">
-                <a16:creationId xmlns:a16="http://schemas.microsoft.com/office/drawing/2014/main" id="{D0677D19-DA17-4FE5-8E75-6B6904B9F527}"/>
-              </a:ext>
-            </a:extLst>
-          </p:cNvPr>
-          <p:cNvSpPr txBox="1"/>
-          <p:nvPr/>
-        </p:nvSpPr>
-        <p:spPr>
-          <a:xfrm>
-            <a:off x="6909682" y="2329732"/>
-            <a:ext cx="2735249" cy="646331"/>
-          </a:xfrm>
-          <a:prstGeom prst="rect">
-            <a:avLst/>
-          </a:prstGeom>
-          <a:noFill/>
-        </p:spPr>
-        <p:txBody>
-          <a:bodyPr wrap="square" rtlCol="0">
-            <a:spAutoFit/>
-          </a:bodyPr>
-          <a:lstStyle/>
-          <a:p>
-            <a:r>
-              <a:rPr lang="en-IN" dirty="0"/>
-              <a:t>select * from </a:t>
-            </a:r>
-            <a:r>
-              <a:rPr lang="en-IN" dirty="0" err="1"/>
-              <a:t>products,categories</a:t>
-            </a:r>
-            <a:r>
-              <a:rPr lang="en-IN" dirty="0"/>
-              <a:t>;</a:t>
-            </a:r>
           </a:p>
         </p:txBody>
       </p:sp>
     </p:spTree>
     <p:extLst>
       <p:ext uri="{BB962C8B-B14F-4D97-AF65-F5344CB8AC3E}">
-        <p14:creationId xmlns:p14="http://schemas.microsoft.com/office/powerpoint/2010/main" val="1812626112"/>
+        <p14:creationId xmlns:p14="http://schemas.microsoft.com/office/powerpoint/2010/main" val="883971753"/>
       </p:ext>
     </p:extLst>
   </p:cSld>
